--- a/P_05_AlgorithmiqueProgrammation/02_Piles/P_05_02_Piles_Cours_PPT.pptx
+++ b/P_05_AlgorithmiqueProgrammation/02_Piles/P_05_02_Piles_Cours_PPT.pptx
@@ -5,7 +5,7 @@
     <p:sldMasterId id="2147483684" r:id="rId1"/>
   </p:sldMasterIdLst>
   <p:notesMasterIdLst>
-    <p:notesMasterId r:id="rId8"/>
+    <p:notesMasterId r:id="rId10"/>
   </p:notesMasterIdLst>
   <p:sldIdLst>
     <p:sldId id="256" r:id="rId2"/>
@@ -14,6 +14,8 @@
     <p:sldId id="258" r:id="rId5"/>
     <p:sldId id="260" r:id="rId6"/>
     <p:sldId id="261" r:id="rId7"/>
+    <p:sldId id="262" r:id="rId8"/>
+    <p:sldId id="263" r:id="rId9"/>
   </p:sldIdLst>
   <p:sldSz cx="9144000" cy="6858000" type="screen4x3"/>
   <p:notesSz cx="6858000" cy="9144000"/>
@@ -123,6 +125,8 @@
             <p14:sldId id="258"/>
             <p14:sldId id="260"/>
             <p14:sldId id="261"/>
+            <p14:sldId id="262"/>
+            <p14:sldId id="263"/>
           </p14:sldIdLst>
         </p14:section>
       </p14:sectionLst>
@@ -214,7 +218,7 @@
             <a:fld id="{E494A05E-DEA9-4CEA-A63B-3593EEF3AC45}" type="datetimeFigureOut">
               <a:rPr lang="fr-FR" smtClean="0"/>
               <a:pPr/>
-              <a:t>14/10/2015</a:t>
+              <a:t>19/10/2015</a:t>
             </a:fld>
             <a:endParaRPr lang="fr-FR"/>
           </a:p>
@@ -799,9 +803,9 @@
             </a:lvl1pPr>
           </a:lstStyle>
           <a:p>
-            <a:fld id="{6F3208CB-8F26-4BC3-8552-71446892877A}" type="datetime1">
+            <a:fld id="{6031E431-4A92-4D85-8985-5FBEB602B5E8}" type="datetime1">
               <a:rPr lang="fr-FR" smtClean="0"/>
-              <a:t>14/10/2015</a:t>
+              <a:t>19/10/2015</a:t>
             </a:fld>
             <a:endParaRPr lang="fr-FR"/>
           </a:p>
@@ -829,7 +833,7 @@
           <a:p>
             <a:r>
               <a:rPr lang="fr-FR" smtClean="0"/>
-              <a:t>Programmation récursive - Xavier PESSOLES</a:t>
+              <a:t>Piles et Files - Xavier PESSOLES</a:t>
             </a:r>
             <a:endParaRPr lang="fr-FR"/>
           </a:p>
@@ -1170,9 +1174,9 @@
           <a:bodyPr/>
           <a:lstStyle/>
           <a:p>
-            <a:fld id="{AB2537EC-3472-4E92-A8DF-A6D471C1F02A}" type="datetime1">
+            <a:fld id="{AF84F6C3-474C-4BB4-A80A-E0D181C7F595}" type="datetime1">
               <a:rPr lang="fr-FR" smtClean="0"/>
-              <a:t>14/10/2015</a:t>
+              <a:t>19/10/2015</a:t>
             </a:fld>
             <a:endParaRPr lang="fr-FR"/>
           </a:p>
@@ -1195,7 +1199,7 @@
           <a:p>
             <a:r>
               <a:rPr lang="fr-FR" smtClean="0"/>
-              <a:t>Programmation récursive - Xavier PESSOLES</a:t>
+              <a:t>Piles et Files - Xavier PESSOLES</a:t>
             </a:r>
             <a:endParaRPr lang="fr-FR"/>
           </a:p>
@@ -1350,9 +1354,9 @@
           <a:bodyPr/>
           <a:lstStyle/>
           <a:p>
-            <a:fld id="{E9E4FAC4-F9E9-485C-9DAD-4241257C02F3}" type="datetime1">
+            <a:fld id="{BFB03E56-093B-4BF1-BBC9-7E272D9CF3B7}" type="datetime1">
               <a:rPr lang="fr-FR" smtClean="0"/>
-              <a:t>14/10/2015</a:t>
+              <a:t>19/10/2015</a:t>
             </a:fld>
             <a:endParaRPr lang="fr-FR"/>
           </a:p>
@@ -1375,7 +1379,7 @@
           <a:p>
             <a:r>
               <a:rPr lang="fr-FR" smtClean="0"/>
-              <a:t>Programmation récursive - Xavier PESSOLES</a:t>
+              <a:t>Piles et Files - Xavier PESSOLES</a:t>
             </a:r>
             <a:endParaRPr lang="fr-FR"/>
           </a:p>
@@ -1601,9 +1605,9 @@
           <a:bodyPr/>
           <a:lstStyle/>
           <a:p>
-            <a:fld id="{5DBBE032-2739-41E9-BFFA-D79554DBCF20}" type="datetime1">
+            <a:fld id="{7C165CEA-2E4C-41E3-970E-1C4A68C71F45}" type="datetime1">
               <a:rPr lang="fr-FR" smtClean="0"/>
-              <a:t>14/10/2015</a:t>
+              <a:t>19/10/2015</a:t>
             </a:fld>
             <a:endParaRPr lang="fr-FR"/>
           </a:p>
@@ -1631,7 +1635,7 @@
           <a:p>
             <a:r>
               <a:rPr lang="fr-FR" smtClean="0"/>
-              <a:t>Programmation récursive - Xavier PESSOLES</a:t>
+              <a:t>Piles et Files - Xavier PESSOLES</a:t>
             </a:r>
             <a:endParaRPr lang="fr-FR" dirty="0"/>
           </a:p>
@@ -1928,9 +1932,9 @@
           <a:bodyPr/>
           <a:lstStyle/>
           <a:p>
-            <a:fld id="{0F398640-5EA9-4205-B4E8-4A460D500E75}" type="datetime1">
+            <a:fld id="{89B97E8C-3DB6-4CA0-86F5-3025B9B3A386}" type="datetime1">
               <a:rPr lang="fr-FR" smtClean="0"/>
-              <a:t>14/10/2015</a:t>
+              <a:t>19/10/2015</a:t>
             </a:fld>
             <a:endParaRPr lang="fr-FR"/>
           </a:p>
@@ -1958,7 +1962,7 @@
           <a:p>
             <a:r>
               <a:rPr lang="fr-FR" smtClean="0"/>
-              <a:t>Programmation récursive - Xavier PESSOLES</a:t>
+              <a:t>Piles et Files - Xavier PESSOLES</a:t>
             </a:r>
             <a:endParaRPr lang="fr-FR"/>
           </a:p>
@@ -2153,9 +2157,9 @@
           <a:bodyPr/>
           <a:lstStyle/>
           <a:p>
-            <a:fld id="{9D59B31E-2A1F-4679-9525-5D5C5E70AA1B}" type="datetime1">
+            <a:fld id="{75DD86A5-1A1E-4FBE-B4D2-C2E205DA24EC}" type="datetime1">
               <a:rPr lang="fr-FR" smtClean="0"/>
-              <a:t>14/10/2015</a:t>
+              <a:t>19/10/2015</a:t>
             </a:fld>
             <a:endParaRPr lang="fr-FR"/>
           </a:p>
@@ -2178,7 +2182,7 @@
           <a:p>
             <a:r>
               <a:rPr lang="fr-FR" smtClean="0"/>
-              <a:t>Programmation récursive - Xavier PESSOLES</a:t>
+              <a:t>Piles et Files - Xavier PESSOLES</a:t>
             </a:r>
             <a:endParaRPr lang="fr-FR"/>
           </a:p>
@@ -2510,9 +2514,9 @@
           <a:bodyPr/>
           <a:lstStyle/>
           <a:p>
-            <a:fld id="{C8F5E3A9-B003-4E22-B657-208D1CAF043C}" type="datetime1">
+            <a:fld id="{0A173EC1-869B-4F8D-825A-5E9474066425}" type="datetime1">
               <a:rPr lang="fr-FR" smtClean="0"/>
-              <a:t>14/10/2015</a:t>
+              <a:t>19/10/2015</a:t>
             </a:fld>
             <a:endParaRPr lang="fr-FR"/>
           </a:p>
@@ -2535,7 +2539,7 @@
           <a:p>
             <a:r>
               <a:rPr lang="fr-FR" smtClean="0"/>
-              <a:t>Programmation récursive - Xavier PESSOLES</a:t>
+              <a:t>Piles et Files - Xavier PESSOLES</a:t>
             </a:r>
             <a:endParaRPr lang="fr-FR"/>
           </a:p>
@@ -2747,9 +2751,9 @@
           <a:bodyPr/>
           <a:lstStyle/>
           <a:p>
-            <a:fld id="{6CE811C2-721D-4ADE-A8E5-DB9CA684F9A0}" type="datetime1">
+            <a:fld id="{1FE44A3F-C6F8-4E4F-B3F6-A21D8DF94633}" type="datetime1">
               <a:rPr lang="fr-FR" smtClean="0"/>
-              <a:t>14/10/2015</a:t>
+              <a:t>19/10/2015</a:t>
             </a:fld>
             <a:endParaRPr lang="fr-FR"/>
           </a:p>
@@ -2772,7 +2776,7 @@
           <a:p>
             <a:r>
               <a:rPr lang="fr-FR" smtClean="0"/>
-              <a:t>Programmation récursive - Xavier PESSOLES</a:t>
+              <a:t>Piles et Files - Xavier PESSOLES</a:t>
             </a:r>
             <a:endParaRPr lang="fr-FR"/>
           </a:p>
@@ -2892,9 +2896,9 @@
           <a:bodyPr/>
           <a:lstStyle/>
           <a:p>
-            <a:fld id="{069DEDAF-1EB9-4A8E-B613-32778F5A70AC}" type="datetime1">
+            <a:fld id="{5C018397-44E0-42D6-A9AA-1A0F5EA321FF}" type="datetime1">
               <a:rPr lang="fr-FR" smtClean="0"/>
-              <a:t>14/10/2015</a:t>
+              <a:t>19/10/2015</a:t>
             </a:fld>
             <a:endParaRPr lang="fr-FR"/>
           </a:p>
@@ -2917,7 +2921,7 @@
           <a:p>
             <a:r>
               <a:rPr lang="fr-FR" smtClean="0"/>
-              <a:t>Programmation récursive - Xavier PESSOLES</a:t>
+              <a:t>Piles et Files - Xavier PESSOLES</a:t>
             </a:r>
             <a:endParaRPr lang="fr-FR"/>
           </a:p>
@@ -3174,9 +3178,9 @@
           <a:bodyPr/>
           <a:lstStyle/>
           <a:p>
-            <a:fld id="{A8E390A0-3CAB-45E0-9DB0-49D4ED1C3ED3}" type="datetime1">
+            <a:fld id="{40AD4D66-DD51-45B2-80EB-77E704EB7D2D}" type="datetime1">
               <a:rPr lang="fr-FR" smtClean="0"/>
-              <a:t>14/10/2015</a:t>
+              <a:t>19/10/2015</a:t>
             </a:fld>
             <a:endParaRPr lang="fr-FR"/>
           </a:p>
@@ -3199,7 +3203,7 @@
           <a:p>
             <a:r>
               <a:rPr lang="fr-FR" smtClean="0"/>
-              <a:t>Programmation récursive - Xavier PESSOLES</a:t>
+              <a:t>Piles et Files - Xavier PESSOLES</a:t>
             </a:r>
             <a:endParaRPr lang="fr-FR"/>
           </a:p>
@@ -3586,9 +3590,9 @@
           <a:bodyPr/>
           <a:lstStyle/>
           <a:p>
-            <a:fld id="{138D6DEB-EE8C-4DFD-8DA3-F3E9B3C4A181}" type="datetime1">
+            <a:fld id="{E2E2D226-7C78-4E8B-80C0-78C66590493D}" type="datetime1">
               <a:rPr lang="fr-FR" smtClean="0"/>
-              <a:t>14/10/2015</a:t>
+              <a:t>19/10/2015</a:t>
             </a:fld>
             <a:endParaRPr lang="fr-FR"/>
           </a:p>
@@ -3611,7 +3615,7 @@
           <a:p>
             <a:r>
               <a:rPr lang="fr-FR" smtClean="0"/>
-              <a:t>Programmation récursive - Xavier PESSOLES</a:t>
+              <a:t>Piles et Files - Xavier PESSOLES</a:t>
             </a:r>
             <a:endParaRPr lang="fr-FR"/>
           </a:p>
@@ -3929,9 +3933,9 @@
             </a:lvl1pPr>
           </a:lstStyle>
           <a:p>
-            <a:fld id="{A21BA41E-DF15-46EA-A955-C13EC325515C}" type="datetime1">
+            <a:fld id="{58F1CC0E-46D4-49CE-A709-70030A7D9D56}" type="datetime1">
               <a:rPr lang="fr-FR" smtClean="0"/>
-              <a:t>14/10/2015</a:t>
+              <a:t>19/10/2015</a:t>
             </a:fld>
             <a:endParaRPr lang="fr-FR"/>
           </a:p>
@@ -3970,7 +3974,7 @@
           <a:p>
             <a:r>
               <a:rPr lang="fr-FR" smtClean="0"/>
-              <a:t>Programmation récursive - Xavier PESSOLES</a:t>
+              <a:t>Piles et Files - Xavier PESSOLES</a:t>
             </a:r>
             <a:endParaRPr lang="fr-FR"/>
           </a:p>
@@ -4936,7 +4940,7 @@
           <a:p>
             <a:r>
               <a:rPr lang="fr-FR" smtClean="0"/>
-              <a:t>Programmation récursive - Xavier PESSOLES</a:t>
+              <a:t>Piles et Files - Xavier PESSOLES</a:t>
             </a:r>
             <a:endParaRPr lang="fr-FR" dirty="0"/>
           </a:p>
@@ -5148,8 +5152,9 @@
             <a:pPr algn="r"/>
             <a:r>
               <a:rPr lang="fr-FR" dirty="0" smtClean="0"/>
-              <a:t>First In</a:t>
-            </a:r>
+              <a:t>Last In</a:t>
+            </a:r>
+            <a:endParaRPr lang="fr-FR" dirty="0" smtClean="0"/>
           </a:p>
           <a:p>
             <a:pPr algn="r"/>
@@ -5840,8 +5845,8 @@
           </a:p>
         </p:txBody>
       </p:sp>
-      <mc:AlternateContent xmlns:mc="http://schemas.openxmlformats.org/markup-compatibility/2006">
-        <mc:Choice xmlns:a14="http://schemas.microsoft.com/office/drawing/2010/main" Requires="a14">
+      <mc:AlternateContent xmlns:mc="http://schemas.openxmlformats.org/markup-compatibility/2006" xmlns:a14="http://schemas.microsoft.com/office/drawing/2010/main">
+        <mc:Choice Requires="a14">
           <p:sp>
             <p:nvSpPr>
               <p:cNvPr id="5" name="ZoneTexte 4"/>
@@ -5864,6 +5869,7 @@
               </a:bodyPr>
               <a:lstStyle/>
               <a:p>
+                <a:pPr/>
                 <a14:m>
                   <m:oMathPara xmlns:m="http://schemas.openxmlformats.org/officeDocument/2006/math">
                     <m:oMathParaPr>
@@ -5884,7 +5890,7 @@
             </p:txBody>
           </p:sp>
         </mc:Choice>
-        <mc:Fallback>
+        <mc:Fallback xmlns="">
           <p:sp>
             <p:nvSpPr>
               <p:cNvPr id="5" name="ZoneTexte 4"/>
@@ -5923,8 +5929,8 @@
           </p:sp>
         </mc:Fallback>
       </mc:AlternateContent>
-      <mc:AlternateContent xmlns:mc="http://schemas.openxmlformats.org/markup-compatibility/2006">
-        <mc:Choice xmlns:a14="http://schemas.microsoft.com/office/drawing/2010/main" Requires="a14">
+      <mc:AlternateContent xmlns:mc="http://schemas.openxmlformats.org/markup-compatibility/2006" xmlns:a14="http://schemas.microsoft.com/office/drawing/2010/main">
+        <mc:Choice Requires="a14">
           <p:sp>
             <p:nvSpPr>
               <p:cNvPr id="28" name="ZoneTexte 27"/>
@@ -5947,6 +5953,7 @@
               </a:bodyPr>
               <a:lstStyle/>
               <a:p>
+                <a:pPr/>
                 <a14:m>
                   <m:oMathPara xmlns:m="http://schemas.openxmlformats.org/officeDocument/2006/math">
                     <m:oMathParaPr>
@@ -5967,7 +5974,7 @@
             </p:txBody>
           </p:sp>
         </mc:Choice>
-        <mc:Fallback>
+        <mc:Fallback xmlns="">
           <p:sp>
             <p:nvSpPr>
               <p:cNvPr id="28" name="ZoneTexte 27"/>
@@ -6006,8 +6013,8 @@
           </p:sp>
         </mc:Fallback>
       </mc:AlternateContent>
-      <mc:AlternateContent xmlns:mc="http://schemas.openxmlformats.org/markup-compatibility/2006">
-        <mc:Choice xmlns:a14="http://schemas.microsoft.com/office/drawing/2010/main" Requires="a14">
+      <mc:AlternateContent xmlns:mc="http://schemas.openxmlformats.org/markup-compatibility/2006" xmlns:a14="http://schemas.microsoft.com/office/drawing/2010/main">
+        <mc:Choice Requires="a14">
           <p:sp>
             <p:nvSpPr>
               <p:cNvPr id="29" name="ZoneTexte 28"/>
@@ -6030,6 +6037,7 @@
               </a:bodyPr>
               <a:lstStyle/>
               <a:p>
+                <a:pPr/>
                 <a14:m>
                   <m:oMathPara xmlns:m="http://schemas.openxmlformats.org/officeDocument/2006/math">
                     <m:oMathParaPr>
@@ -6050,7 +6058,7 @@
             </p:txBody>
           </p:sp>
         </mc:Choice>
-        <mc:Fallback>
+        <mc:Fallback xmlns="">
           <p:sp>
             <p:nvSpPr>
               <p:cNvPr id="29" name="ZoneTexte 28"/>
@@ -6089,8 +6097,8 @@
           </p:sp>
         </mc:Fallback>
       </mc:AlternateContent>
-      <mc:AlternateContent xmlns:mc="http://schemas.openxmlformats.org/markup-compatibility/2006">
-        <mc:Choice xmlns:a14="http://schemas.microsoft.com/office/drawing/2010/main" Requires="a14">
+      <mc:AlternateContent xmlns:mc="http://schemas.openxmlformats.org/markup-compatibility/2006" xmlns:a14="http://schemas.microsoft.com/office/drawing/2010/main">
+        <mc:Choice Requires="a14">
           <p:sp>
             <p:nvSpPr>
               <p:cNvPr id="32" name="ZoneTexte 31"/>
@@ -6113,6 +6121,7 @@
               </a:bodyPr>
               <a:lstStyle/>
               <a:p>
+                <a:pPr/>
                 <a14:m>
                   <m:oMathPara xmlns:m="http://schemas.openxmlformats.org/officeDocument/2006/math">
                     <m:oMathParaPr>
@@ -6145,7 +6154,7 @@
             </p:txBody>
           </p:sp>
         </mc:Choice>
-        <mc:Fallback>
+        <mc:Fallback xmlns="">
           <p:sp>
             <p:nvSpPr>
               <p:cNvPr id="32" name="ZoneTexte 31"/>
@@ -6184,8 +6193,8 @@
           </p:sp>
         </mc:Fallback>
       </mc:AlternateContent>
-      <mc:AlternateContent xmlns:mc="http://schemas.openxmlformats.org/markup-compatibility/2006">
-        <mc:Choice xmlns:a14="http://schemas.microsoft.com/office/drawing/2010/main" Requires="a14">
+      <mc:AlternateContent xmlns:mc="http://schemas.openxmlformats.org/markup-compatibility/2006" xmlns:a14="http://schemas.microsoft.com/office/drawing/2010/main">
+        <mc:Choice Requires="a14">
           <p:sp>
             <p:nvSpPr>
               <p:cNvPr id="33" name="ZoneTexte 32"/>
@@ -6208,6 +6217,7 @@
               </a:bodyPr>
               <a:lstStyle/>
               <a:p>
+                <a:pPr/>
                 <a14:m>
                   <m:oMathPara xmlns:m="http://schemas.openxmlformats.org/officeDocument/2006/math">
                     <m:oMathParaPr>
@@ -6240,7 +6250,7 @@
             </p:txBody>
           </p:sp>
         </mc:Choice>
-        <mc:Fallback>
+        <mc:Fallback xmlns="">
           <p:sp>
             <p:nvSpPr>
               <p:cNvPr id="33" name="ZoneTexte 32"/>
@@ -6279,8 +6289,8 @@
           </p:sp>
         </mc:Fallback>
       </mc:AlternateContent>
-      <mc:AlternateContent xmlns:mc="http://schemas.openxmlformats.org/markup-compatibility/2006">
-        <mc:Choice xmlns:a14="http://schemas.microsoft.com/office/drawing/2010/main" Requires="a14">
+      <mc:AlternateContent xmlns:mc="http://schemas.openxmlformats.org/markup-compatibility/2006" xmlns:a14="http://schemas.microsoft.com/office/drawing/2010/main">
+        <mc:Choice Requires="a14">
           <p:sp>
             <p:nvSpPr>
               <p:cNvPr id="34" name="ZoneTexte 33"/>
@@ -6303,6 +6313,7 @@
               </a:bodyPr>
               <a:lstStyle/>
               <a:p>
+                <a:pPr/>
                 <a14:m>
                   <m:oMathPara xmlns:m="http://schemas.openxmlformats.org/officeDocument/2006/math">
                     <m:oMathParaPr>
@@ -6335,7 +6346,7 @@
             </p:txBody>
           </p:sp>
         </mc:Choice>
-        <mc:Fallback>
+        <mc:Fallback xmlns="">
           <p:sp>
             <p:nvSpPr>
               <p:cNvPr id="34" name="ZoneTexte 33"/>
@@ -6451,7 +6462,7 @@
           <a:p>
             <a:r>
               <a:rPr lang="fr-FR" smtClean="0"/>
-              <a:t>Programmation récursive - Xavier PESSOLES</a:t>
+              <a:t>Piles et Files - Xavier PESSOLES</a:t>
             </a:r>
             <a:endParaRPr lang="fr-FR" dirty="0"/>
           </a:p>
@@ -6652,8 +6663,9 @@
             <a:pPr algn="r"/>
             <a:r>
               <a:rPr lang="fr-FR" dirty="0" smtClean="0"/>
-              <a:t>First In</a:t>
-            </a:r>
+              <a:t>Last In</a:t>
+            </a:r>
+            <a:endParaRPr lang="fr-FR" dirty="0" smtClean="0"/>
           </a:p>
           <a:p>
             <a:pPr algn="r"/>
@@ -7398,8 +7410,8 @@
           </a:p>
         </p:txBody>
       </p:sp>
-      <mc:AlternateContent xmlns:mc="http://schemas.openxmlformats.org/markup-compatibility/2006">
-        <mc:Choice xmlns:a14="http://schemas.microsoft.com/office/drawing/2010/main" Requires="a14">
+      <mc:AlternateContent xmlns:mc="http://schemas.openxmlformats.org/markup-compatibility/2006" xmlns:a14="http://schemas.microsoft.com/office/drawing/2010/main">
+        <mc:Choice Requires="a14">
           <p:sp>
             <p:nvSpPr>
               <p:cNvPr id="29" name="ZoneTexte 28"/>
@@ -7422,6 +7434,7 @@
               </a:bodyPr>
               <a:lstStyle/>
               <a:p>
+                <a:pPr/>
                 <a14:m>
                   <m:oMathPara xmlns:m="http://schemas.openxmlformats.org/officeDocument/2006/math">
                     <m:oMathParaPr>
@@ -7454,7 +7467,7 @@
             </p:txBody>
           </p:sp>
         </mc:Choice>
-        <mc:Fallback>
+        <mc:Fallback xmlns="">
           <p:sp>
             <p:nvSpPr>
               <p:cNvPr id="29" name="ZoneTexte 28"/>
@@ -7493,8 +7506,8 @@
           </p:sp>
         </mc:Fallback>
       </mc:AlternateContent>
-      <mc:AlternateContent xmlns:mc="http://schemas.openxmlformats.org/markup-compatibility/2006">
-        <mc:Choice xmlns:a14="http://schemas.microsoft.com/office/drawing/2010/main" Requires="a14">
+      <mc:AlternateContent xmlns:mc="http://schemas.openxmlformats.org/markup-compatibility/2006" xmlns:a14="http://schemas.microsoft.com/office/drawing/2010/main">
+        <mc:Choice Requires="a14">
           <p:sp>
             <p:nvSpPr>
               <p:cNvPr id="30" name="ZoneTexte 29"/>
@@ -7517,6 +7530,7 @@
               </a:bodyPr>
               <a:lstStyle/>
               <a:p>
+                <a:pPr/>
                 <a14:m>
                   <m:oMathPara xmlns:m="http://schemas.openxmlformats.org/officeDocument/2006/math">
                     <m:oMathParaPr>
@@ -7537,7 +7551,7 @@
             </p:txBody>
           </p:sp>
         </mc:Choice>
-        <mc:Fallback>
+        <mc:Fallback xmlns="">
           <p:sp>
             <p:nvSpPr>
               <p:cNvPr id="30" name="ZoneTexte 29"/>
@@ -7576,8 +7590,8 @@
           </p:sp>
         </mc:Fallback>
       </mc:AlternateContent>
-      <mc:AlternateContent xmlns:mc="http://schemas.openxmlformats.org/markup-compatibility/2006">
-        <mc:Choice xmlns:a14="http://schemas.microsoft.com/office/drawing/2010/main" Requires="a14">
+      <mc:AlternateContent xmlns:mc="http://schemas.openxmlformats.org/markup-compatibility/2006" xmlns:a14="http://schemas.microsoft.com/office/drawing/2010/main">
+        <mc:Choice Requires="a14">
           <p:sp>
             <p:nvSpPr>
               <p:cNvPr id="31" name="ZoneTexte 30"/>
@@ -7600,6 +7614,7 @@
               </a:bodyPr>
               <a:lstStyle/>
               <a:p>
+                <a:pPr/>
                 <a14:m>
                   <m:oMathPara xmlns:m="http://schemas.openxmlformats.org/officeDocument/2006/math">
                     <m:oMathParaPr>
@@ -7620,7 +7635,7 @@
             </p:txBody>
           </p:sp>
         </mc:Choice>
-        <mc:Fallback>
+        <mc:Fallback xmlns="">
           <p:sp>
             <p:nvSpPr>
               <p:cNvPr id="31" name="ZoneTexte 30"/>
@@ -7659,8 +7674,8 @@
           </p:sp>
         </mc:Fallback>
       </mc:AlternateContent>
-      <mc:AlternateContent xmlns:mc="http://schemas.openxmlformats.org/markup-compatibility/2006">
-        <mc:Choice xmlns:a14="http://schemas.microsoft.com/office/drawing/2010/main" Requires="a14">
+      <mc:AlternateContent xmlns:mc="http://schemas.openxmlformats.org/markup-compatibility/2006" xmlns:a14="http://schemas.microsoft.com/office/drawing/2010/main">
+        <mc:Choice Requires="a14">
           <p:sp>
             <p:nvSpPr>
               <p:cNvPr id="32" name="ZoneTexte 31"/>
@@ -7683,6 +7698,7 @@
               </a:bodyPr>
               <a:lstStyle/>
               <a:p>
+                <a:pPr/>
                 <a14:m>
                   <m:oMathPara xmlns:m="http://schemas.openxmlformats.org/officeDocument/2006/math">
                     <m:oMathParaPr>
@@ -7703,7 +7719,7 @@
             </p:txBody>
           </p:sp>
         </mc:Choice>
-        <mc:Fallback>
+        <mc:Fallback xmlns="">
           <p:sp>
             <p:nvSpPr>
               <p:cNvPr id="32" name="ZoneTexte 31"/>
@@ -7742,8 +7758,8 @@
           </p:sp>
         </mc:Fallback>
       </mc:AlternateContent>
-      <mc:AlternateContent xmlns:mc="http://schemas.openxmlformats.org/markup-compatibility/2006">
-        <mc:Choice xmlns:a14="http://schemas.microsoft.com/office/drawing/2010/main" Requires="a14">
+      <mc:AlternateContent xmlns:mc="http://schemas.openxmlformats.org/markup-compatibility/2006" xmlns:a14="http://schemas.microsoft.com/office/drawing/2010/main">
+        <mc:Choice Requires="a14">
           <p:sp>
             <p:nvSpPr>
               <p:cNvPr id="33" name="ZoneTexte 32"/>
@@ -7766,6 +7782,7 @@
               </a:bodyPr>
               <a:lstStyle/>
               <a:p>
+                <a:pPr/>
                 <a14:m>
                   <m:oMathPara xmlns:m="http://schemas.openxmlformats.org/officeDocument/2006/math">
                     <m:oMathParaPr>
@@ -7798,7 +7815,7 @@
             </p:txBody>
           </p:sp>
         </mc:Choice>
-        <mc:Fallback>
+        <mc:Fallback xmlns="">
           <p:sp>
             <p:nvSpPr>
               <p:cNvPr id="33" name="ZoneTexte 32"/>
@@ -7837,8 +7854,8 @@
           </p:sp>
         </mc:Fallback>
       </mc:AlternateContent>
-      <mc:AlternateContent xmlns:mc="http://schemas.openxmlformats.org/markup-compatibility/2006">
-        <mc:Choice xmlns:a14="http://schemas.microsoft.com/office/drawing/2010/main" Requires="a14">
+      <mc:AlternateContent xmlns:mc="http://schemas.openxmlformats.org/markup-compatibility/2006" xmlns:a14="http://schemas.microsoft.com/office/drawing/2010/main">
+        <mc:Choice Requires="a14">
           <p:sp>
             <p:nvSpPr>
               <p:cNvPr id="34" name="ZoneTexte 33"/>
@@ -7861,6 +7878,7 @@
               </a:bodyPr>
               <a:lstStyle/>
               <a:p>
+                <a:pPr/>
                 <a14:m>
                   <m:oMathPara xmlns:m="http://schemas.openxmlformats.org/officeDocument/2006/math">
                     <m:oMathParaPr>
@@ -7893,7 +7911,7 @@
             </p:txBody>
           </p:sp>
         </mc:Choice>
-        <mc:Fallback>
+        <mc:Fallback xmlns="">
           <p:sp>
             <p:nvSpPr>
               <p:cNvPr id="34" name="ZoneTexte 33"/>
@@ -8009,7 +8027,7 @@
           <a:p>
             <a:r>
               <a:rPr lang="fr-FR" smtClean="0"/>
-              <a:t>Programmation récursive - Xavier PESSOLES</a:t>
+              <a:t>Piles et Files - Xavier PESSOLES</a:t>
             </a:r>
             <a:endParaRPr lang="fr-FR" dirty="0"/>
           </a:p>
@@ -8210,8 +8228,9 @@
             <a:pPr algn="r"/>
             <a:r>
               <a:rPr lang="fr-FR" dirty="0" smtClean="0"/>
-              <a:t>First In</a:t>
-            </a:r>
+              <a:t>Last In</a:t>
+            </a:r>
+            <a:endParaRPr lang="fr-FR" dirty="0" smtClean="0"/>
           </a:p>
           <a:p>
             <a:pPr algn="r"/>
@@ -8902,8 +8921,8 @@
           </a:p>
         </p:txBody>
       </p:sp>
-      <mc:AlternateContent xmlns:mc="http://schemas.openxmlformats.org/markup-compatibility/2006">
-        <mc:Choice xmlns:a14="http://schemas.microsoft.com/office/drawing/2010/main" Requires="a14">
+      <mc:AlternateContent xmlns:mc="http://schemas.openxmlformats.org/markup-compatibility/2006" xmlns:a14="http://schemas.microsoft.com/office/drawing/2010/main">
+        <mc:Choice Requires="a14">
           <p:sp>
             <p:nvSpPr>
               <p:cNvPr id="28" name="ZoneTexte 27"/>
@@ -8926,6 +8945,7 @@
               </a:bodyPr>
               <a:lstStyle/>
               <a:p>
+                <a:pPr/>
                 <a14:m>
                   <m:oMathPara xmlns:m="http://schemas.openxmlformats.org/officeDocument/2006/math">
                     <m:oMathParaPr>
@@ -8958,7 +8978,7 @@
             </p:txBody>
           </p:sp>
         </mc:Choice>
-        <mc:Fallback>
+        <mc:Fallback xmlns="">
           <p:sp>
             <p:nvSpPr>
               <p:cNvPr id="28" name="ZoneTexte 27"/>
@@ -8997,8 +9017,8 @@
           </p:sp>
         </mc:Fallback>
       </mc:AlternateContent>
-      <mc:AlternateContent xmlns:mc="http://schemas.openxmlformats.org/markup-compatibility/2006">
-        <mc:Choice xmlns:a14="http://schemas.microsoft.com/office/drawing/2010/main" Requires="a14">
+      <mc:AlternateContent xmlns:mc="http://schemas.openxmlformats.org/markup-compatibility/2006" xmlns:a14="http://schemas.microsoft.com/office/drawing/2010/main">
+        <mc:Choice Requires="a14">
           <p:sp>
             <p:nvSpPr>
               <p:cNvPr id="29" name="ZoneTexte 28"/>
@@ -9021,6 +9041,7 @@
               </a:bodyPr>
               <a:lstStyle/>
               <a:p>
+                <a:pPr/>
                 <a14:m>
                   <m:oMathPara xmlns:m="http://schemas.openxmlformats.org/officeDocument/2006/math">
                     <m:oMathParaPr>
@@ -9041,7 +9062,7 @@
             </p:txBody>
           </p:sp>
         </mc:Choice>
-        <mc:Fallback>
+        <mc:Fallback xmlns="">
           <p:sp>
             <p:nvSpPr>
               <p:cNvPr id="29" name="ZoneTexte 28"/>
@@ -9080,8 +9101,8 @@
           </p:sp>
         </mc:Fallback>
       </mc:AlternateContent>
-      <mc:AlternateContent xmlns:mc="http://schemas.openxmlformats.org/markup-compatibility/2006">
-        <mc:Choice xmlns:a14="http://schemas.microsoft.com/office/drawing/2010/main" Requires="a14">
+      <mc:AlternateContent xmlns:mc="http://schemas.openxmlformats.org/markup-compatibility/2006" xmlns:a14="http://schemas.microsoft.com/office/drawing/2010/main">
+        <mc:Choice Requires="a14">
           <p:sp>
             <p:nvSpPr>
               <p:cNvPr id="30" name="ZoneTexte 29"/>
@@ -9104,6 +9125,7 @@
               </a:bodyPr>
               <a:lstStyle/>
               <a:p>
+                <a:pPr/>
                 <a14:m>
                   <m:oMathPara xmlns:m="http://schemas.openxmlformats.org/officeDocument/2006/math">
                     <m:oMathParaPr>
@@ -9124,7 +9146,7 @@
             </p:txBody>
           </p:sp>
         </mc:Choice>
-        <mc:Fallback>
+        <mc:Fallback xmlns="">
           <p:sp>
             <p:nvSpPr>
               <p:cNvPr id="30" name="ZoneTexte 29"/>
@@ -9163,8 +9185,8 @@
           </p:sp>
         </mc:Fallback>
       </mc:AlternateContent>
-      <mc:AlternateContent xmlns:mc="http://schemas.openxmlformats.org/markup-compatibility/2006">
-        <mc:Choice xmlns:a14="http://schemas.microsoft.com/office/drawing/2010/main" Requires="a14">
+      <mc:AlternateContent xmlns:mc="http://schemas.openxmlformats.org/markup-compatibility/2006" xmlns:a14="http://schemas.microsoft.com/office/drawing/2010/main">
+        <mc:Choice Requires="a14">
           <p:sp>
             <p:nvSpPr>
               <p:cNvPr id="31" name="ZoneTexte 30"/>
@@ -9187,6 +9209,7 @@
               </a:bodyPr>
               <a:lstStyle/>
               <a:p>
+                <a:pPr/>
                 <a14:m>
                   <m:oMathPara xmlns:m="http://schemas.openxmlformats.org/officeDocument/2006/math">
                     <m:oMathParaPr>
@@ -9207,7 +9230,7 @@
             </p:txBody>
           </p:sp>
         </mc:Choice>
-        <mc:Fallback>
+        <mc:Fallback xmlns="">
           <p:sp>
             <p:nvSpPr>
               <p:cNvPr id="31" name="ZoneTexte 30"/>
@@ -9246,8 +9269,8 @@
           </p:sp>
         </mc:Fallback>
       </mc:AlternateContent>
-      <mc:AlternateContent xmlns:mc="http://schemas.openxmlformats.org/markup-compatibility/2006">
-        <mc:Choice xmlns:a14="http://schemas.microsoft.com/office/drawing/2010/main" Requires="a14">
+      <mc:AlternateContent xmlns:mc="http://schemas.openxmlformats.org/markup-compatibility/2006" xmlns:a14="http://schemas.microsoft.com/office/drawing/2010/main">
+        <mc:Choice Requires="a14">
           <p:sp>
             <p:nvSpPr>
               <p:cNvPr id="32" name="ZoneTexte 31"/>
@@ -9270,6 +9293,7 @@
               </a:bodyPr>
               <a:lstStyle/>
               <a:p>
+                <a:pPr/>
                 <a14:m>
                   <m:oMathPara xmlns:m="http://schemas.openxmlformats.org/officeDocument/2006/math">
                     <m:oMathParaPr>
@@ -9302,7 +9326,7 @@
             </p:txBody>
           </p:sp>
         </mc:Choice>
-        <mc:Fallback>
+        <mc:Fallback xmlns="">
           <p:sp>
             <p:nvSpPr>
               <p:cNvPr id="32" name="ZoneTexte 31"/>
@@ -9341,8 +9365,8 @@
           </p:sp>
         </mc:Fallback>
       </mc:AlternateContent>
-      <mc:AlternateContent xmlns:mc="http://schemas.openxmlformats.org/markup-compatibility/2006">
-        <mc:Choice xmlns:a14="http://schemas.microsoft.com/office/drawing/2010/main" Requires="a14">
+      <mc:AlternateContent xmlns:mc="http://schemas.openxmlformats.org/markup-compatibility/2006" xmlns:a14="http://schemas.microsoft.com/office/drawing/2010/main">
+        <mc:Choice Requires="a14">
           <p:sp>
             <p:nvSpPr>
               <p:cNvPr id="33" name="ZoneTexte 32"/>
@@ -9365,6 +9389,7 @@
               </a:bodyPr>
               <a:lstStyle/>
               <a:p>
+                <a:pPr/>
                 <a14:m>
                   <m:oMathPara xmlns:m="http://schemas.openxmlformats.org/officeDocument/2006/math">
                     <m:oMathParaPr>
@@ -9397,7 +9422,7 @@
             </p:txBody>
           </p:sp>
         </mc:Choice>
-        <mc:Fallback>
+        <mc:Fallback xmlns="">
           <p:sp>
             <p:nvSpPr>
               <p:cNvPr id="33" name="ZoneTexte 32"/>
@@ -9513,7 +9538,7 @@
           <a:p>
             <a:r>
               <a:rPr lang="fr-FR" smtClean="0"/>
-              <a:t>Programmation récursive - Xavier PESSOLES</a:t>
+              <a:t>Piles et Files - Xavier PESSOLES</a:t>
             </a:r>
             <a:endParaRPr lang="fr-FR" dirty="0"/>
           </a:p>
@@ -9714,7 +9739,15 @@
             <a:pPr algn="r"/>
             <a:r>
               <a:rPr lang="fr-FR" dirty="0" smtClean="0"/>
-              <a:t>First In</a:t>
+              <a:t>Las</a:t>
+            </a:r>
+            <a:r>
+              <a:rPr lang="fr-FR" dirty="0" smtClean="0"/>
+              <a:t>t </a:t>
+            </a:r>
+            <a:r>
+              <a:rPr lang="fr-FR" dirty="0" smtClean="0"/>
+              <a:t>In</a:t>
             </a:r>
           </a:p>
           <a:p>
@@ -10450,8 +10483,8 @@
           </a:fontRef>
         </p:style>
       </p:cxnSp>
-      <mc:AlternateContent xmlns:mc="http://schemas.openxmlformats.org/markup-compatibility/2006">
-        <mc:Choice xmlns:a14="http://schemas.microsoft.com/office/drawing/2010/main" Requires="a14">
+      <mc:AlternateContent xmlns:mc="http://schemas.openxmlformats.org/markup-compatibility/2006" xmlns:a14="http://schemas.microsoft.com/office/drawing/2010/main">
+        <mc:Choice Requires="a14">
           <p:sp>
             <p:nvSpPr>
               <p:cNvPr id="30" name="ZoneTexte 29"/>
@@ -10474,6 +10507,7 @@
               </a:bodyPr>
               <a:lstStyle/>
               <a:p>
+                <a:pPr/>
                 <a14:m>
                   <m:oMathPara xmlns:m="http://schemas.openxmlformats.org/officeDocument/2006/math">
                     <m:oMathParaPr>
@@ -10506,7 +10540,7 @@
             </p:txBody>
           </p:sp>
         </mc:Choice>
-        <mc:Fallback>
+        <mc:Fallback xmlns="">
           <p:sp>
             <p:nvSpPr>
               <p:cNvPr id="30" name="ZoneTexte 29"/>
@@ -10545,8 +10579,8 @@
           </p:sp>
         </mc:Fallback>
       </mc:AlternateContent>
-      <mc:AlternateContent xmlns:mc="http://schemas.openxmlformats.org/markup-compatibility/2006">
-        <mc:Choice xmlns:a14="http://schemas.microsoft.com/office/drawing/2010/main" Requires="a14">
+      <mc:AlternateContent xmlns:mc="http://schemas.openxmlformats.org/markup-compatibility/2006" xmlns:a14="http://schemas.microsoft.com/office/drawing/2010/main">
+        <mc:Choice Requires="a14">
           <p:sp>
             <p:nvSpPr>
               <p:cNvPr id="31" name="ZoneTexte 30"/>
@@ -10569,6 +10603,7 @@
               </a:bodyPr>
               <a:lstStyle/>
               <a:p>
+                <a:pPr/>
                 <a14:m>
                   <m:oMathPara xmlns:m="http://schemas.openxmlformats.org/officeDocument/2006/math">
                     <m:oMathParaPr>
@@ -10589,7 +10624,7 @@
             </p:txBody>
           </p:sp>
         </mc:Choice>
-        <mc:Fallback>
+        <mc:Fallback xmlns="">
           <p:sp>
             <p:nvSpPr>
               <p:cNvPr id="31" name="ZoneTexte 30"/>
@@ -10628,8 +10663,8 @@
           </p:sp>
         </mc:Fallback>
       </mc:AlternateContent>
-      <mc:AlternateContent xmlns:mc="http://schemas.openxmlformats.org/markup-compatibility/2006">
-        <mc:Choice xmlns:a14="http://schemas.microsoft.com/office/drawing/2010/main" Requires="a14">
+      <mc:AlternateContent xmlns:mc="http://schemas.openxmlformats.org/markup-compatibility/2006" xmlns:a14="http://schemas.microsoft.com/office/drawing/2010/main">
+        <mc:Choice Requires="a14">
           <p:sp>
             <p:nvSpPr>
               <p:cNvPr id="32" name="ZoneTexte 31"/>
@@ -10652,6 +10687,7 @@
               </a:bodyPr>
               <a:lstStyle/>
               <a:p>
+                <a:pPr/>
                 <a14:m>
                   <m:oMathPara xmlns:m="http://schemas.openxmlformats.org/officeDocument/2006/math">
                     <m:oMathParaPr>
@@ -10672,7 +10708,7 @@
             </p:txBody>
           </p:sp>
         </mc:Choice>
-        <mc:Fallback>
+        <mc:Fallback xmlns="">
           <p:sp>
             <p:nvSpPr>
               <p:cNvPr id="32" name="ZoneTexte 31"/>
@@ -10711,8 +10747,8 @@
           </p:sp>
         </mc:Fallback>
       </mc:AlternateContent>
-      <mc:AlternateContent xmlns:mc="http://schemas.openxmlformats.org/markup-compatibility/2006">
-        <mc:Choice xmlns:a14="http://schemas.microsoft.com/office/drawing/2010/main" Requires="a14">
+      <mc:AlternateContent xmlns:mc="http://schemas.openxmlformats.org/markup-compatibility/2006" xmlns:a14="http://schemas.microsoft.com/office/drawing/2010/main">
+        <mc:Choice Requires="a14">
           <p:sp>
             <p:nvSpPr>
               <p:cNvPr id="33" name="ZoneTexte 32"/>
@@ -10735,6 +10771,7 @@
               </a:bodyPr>
               <a:lstStyle/>
               <a:p>
+                <a:pPr/>
                 <a14:m>
                   <m:oMathPara xmlns:m="http://schemas.openxmlformats.org/officeDocument/2006/math">
                     <m:oMathParaPr>
@@ -10755,7 +10792,7 @@
             </p:txBody>
           </p:sp>
         </mc:Choice>
-        <mc:Fallback>
+        <mc:Fallback xmlns="">
           <p:sp>
             <p:nvSpPr>
               <p:cNvPr id="33" name="ZoneTexte 32"/>
@@ -10794,8 +10831,8 @@
           </p:sp>
         </mc:Fallback>
       </mc:AlternateContent>
-      <mc:AlternateContent xmlns:mc="http://schemas.openxmlformats.org/markup-compatibility/2006">
-        <mc:Choice xmlns:a14="http://schemas.microsoft.com/office/drawing/2010/main" Requires="a14">
+      <mc:AlternateContent xmlns:mc="http://schemas.openxmlformats.org/markup-compatibility/2006" xmlns:a14="http://schemas.microsoft.com/office/drawing/2010/main">
+        <mc:Choice Requires="a14">
           <p:sp>
             <p:nvSpPr>
               <p:cNvPr id="34" name="ZoneTexte 33"/>
@@ -10818,6 +10855,7 @@
               </a:bodyPr>
               <a:lstStyle/>
               <a:p>
+                <a:pPr/>
                 <a14:m>
                   <m:oMathPara xmlns:m="http://schemas.openxmlformats.org/officeDocument/2006/math">
                     <m:oMathParaPr>
@@ -10850,7 +10888,7 @@
             </p:txBody>
           </p:sp>
         </mc:Choice>
-        <mc:Fallback>
+        <mc:Fallback xmlns="">
           <p:sp>
             <p:nvSpPr>
               <p:cNvPr id="34" name="ZoneTexte 33"/>
@@ -10889,8 +10927,8 @@
           </p:sp>
         </mc:Fallback>
       </mc:AlternateContent>
-      <mc:AlternateContent xmlns:mc="http://schemas.openxmlformats.org/markup-compatibility/2006">
-        <mc:Choice xmlns:a14="http://schemas.microsoft.com/office/drawing/2010/main" Requires="a14">
+      <mc:AlternateContent xmlns:mc="http://schemas.openxmlformats.org/markup-compatibility/2006" xmlns:a14="http://schemas.microsoft.com/office/drawing/2010/main">
+        <mc:Choice Requires="a14">
           <p:sp>
             <p:nvSpPr>
               <p:cNvPr id="35" name="ZoneTexte 34"/>
@@ -10913,6 +10951,7 @@
               </a:bodyPr>
               <a:lstStyle/>
               <a:p>
+                <a:pPr/>
                 <a14:m>
                   <m:oMathPara xmlns:m="http://schemas.openxmlformats.org/officeDocument/2006/math">
                     <m:oMathParaPr>
@@ -10945,7 +10984,7 @@
             </p:txBody>
           </p:sp>
         </mc:Choice>
-        <mc:Fallback>
+        <mc:Fallback xmlns="">
           <p:sp>
             <p:nvSpPr>
               <p:cNvPr id="35" name="ZoneTexte 34"/>
@@ -11061,7 +11100,7 @@
           <a:p>
             <a:r>
               <a:rPr lang="fr-FR" smtClean="0"/>
-              <a:t>Programmation récursive - Xavier PESSOLES</a:t>
+              <a:t>Piles et Files - Xavier PESSOLES</a:t>
             </a:r>
             <a:endParaRPr lang="fr-FR" dirty="0"/>
           </a:p>
@@ -11262,7 +11301,15 @@
             <a:pPr algn="r"/>
             <a:r>
               <a:rPr lang="fr-FR" dirty="0" smtClean="0"/>
-              <a:t>First In</a:t>
+              <a:t>La</a:t>
+            </a:r>
+            <a:r>
+              <a:rPr lang="fr-FR" dirty="0" smtClean="0"/>
+              <a:t>st </a:t>
+            </a:r>
+            <a:r>
+              <a:rPr lang="fr-FR" dirty="0" smtClean="0"/>
+              <a:t>In</a:t>
             </a:r>
           </a:p>
           <a:p>
@@ -11954,8 +12001,8 @@
           </a:p>
         </p:txBody>
       </p:sp>
-      <mc:AlternateContent xmlns:mc="http://schemas.openxmlformats.org/markup-compatibility/2006">
-        <mc:Choice xmlns:a14="http://schemas.microsoft.com/office/drawing/2010/main" Requires="a14">
+      <mc:AlternateContent xmlns:mc="http://schemas.openxmlformats.org/markup-compatibility/2006" xmlns:a14="http://schemas.microsoft.com/office/drawing/2010/main">
+        <mc:Choice Requires="a14">
           <p:sp>
             <p:nvSpPr>
               <p:cNvPr id="28" name="ZoneTexte 27"/>
@@ -11978,6 +12025,7 @@
               </a:bodyPr>
               <a:lstStyle/>
               <a:p>
+                <a:pPr/>
                 <a14:m>
                   <m:oMathPara xmlns:m="http://schemas.openxmlformats.org/officeDocument/2006/math">
                     <m:oMathParaPr>
@@ -12010,7 +12058,7 @@
             </p:txBody>
           </p:sp>
         </mc:Choice>
-        <mc:Fallback>
+        <mc:Fallback xmlns="">
           <p:sp>
             <p:nvSpPr>
               <p:cNvPr id="28" name="ZoneTexte 27"/>
@@ -12049,8 +12097,8 @@
           </p:sp>
         </mc:Fallback>
       </mc:AlternateContent>
-      <mc:AlternateContent xmlns:mc="http://schemas.openxmlformats.org/markup-compatibility/2006">
-        <mc:Choice xmlns:a14="http://schemas.microsoft.com/office/drawing/2010/main" Requires="a14">
+      <mc:AlternateContent xmlns:mc="http://schemas.openxmlformats.org/markup-compatibility/2006" xmlns:a14="http://schemas.microsoft.com/office/drawing/2010/main">
+        <mc:Choice Requires="a14">
           <p:sp>
             <p:nvSpPr>
               <p:cNvPr id="29" name="ZoneTexte 28"/>
@@ -12073,6 +12121,7 @@
               </a:bodyPr>
               <a:lstStyle/>
               <a:p>
+                <a:pPr/>
                 <a14:m>
                   <m:oMathPara xmlns:m="http://schemas.openxmlformats.org/officeDocument/2006/math">
                     <m:oMathParaPr>
@@ -12093,7 +12142,7 @@
             </p:txBody>
           </p:sp>
         </mc:Choice>
-        <mc:Fallback>
+        <mc:Fallback xmlns="">
           <p:sp>
             <p:nvSpPr>
               <p:cNvPr id="29" name="ZoneTexte 28"/>
@@ -12132,8 +12181,8 @@
           </p:sp>
         </mc:Fallback>
       </mc:AlternateContent>
-      <mc:AlternateContent xmlns:mc="http://schemas.openxmlformats.org/markup-compatibility/2006">
-        <mc:Choice xmlns:a14="http://schemas.microsoft.com/office/drawing/2010/main" Requires="a14">
+      <mc:AlternateContent xmlns:mc="http://schemas.openxmlformats.org/markup-compatibility/2006" xmlns:a14="http://schemas.microsoft.com/office/drawing/2010/main">
+        <mc:Choice Requires="a14">
           <p:sp>
             <p:nvSpPr>
               <p:cNvPr id="30" name="ZoneTexte 29"/>
@@ -12156,6 +12205,7 @@
               </a:bodyPr>
               <a:lstStyle/>
               <a:p>
+                <a:pPr/>
                 <a14:m>
                   <m:oMathPara xmlns:m="http://schemas.openxmlformats.org/officeDocument/2006/math">
                     <m:oMathParaPr>
@@ -12176,7 +12226,7 @@
             </p:txBody>
           </p:sp>
         </mc:Choice>
-        <mc:Fallback>
+        <mc:Fallback xmlns="">
           <p:sp>
             <p:nvSpPr>
               <p:cNvPr id="30" name="ZoneTexte 29"/>
@@ -12215,8 +12265,8 @@
           </p:sp>
         </mc:Fallback>
       </mc:AlternateContent>
-      <mc:AlternateContent xmlns:mc="http://schemas.openxmlformats.org/markup-compatibility/2006">
-        <mc:Choice xmlns:a14="http://schemas.microsoft.com/office/drawing/2010/main" Requires="a14">
+      <mc:AlternateContent xmlns:mc="http://schemas.openxmlformats.org/markup-compatibility/2006" xmlns:a14="http://schemas.microsoft.com/office/drawing/2010/main">
+        <mc:Choice Requires="a14">
           <p:sp>
             <p:nvSpPr>
               <p:cNvPr id="31" name="ZoneTexte 30"/>
@@ -12239,6 +12289,7 @@
               </a:bodyPr>
               <a:lstStyle/>
               <a:p>
+                <a:pPr/>
                 <a14:m>
                   <m:oMathPara xmlns:m="http://schemas.openxmlformats.org/officeDocument/2006/math">
                     <m:oMathParaPr>
@@ -12259,7 +12310,7 @@
             </p:txBody>
           </p:sp>
         </mc:Choice>
-        <mc:Fallback>
+        <mc:Fallback xmlns="">
           <p:sp>
             <p:nvSpPr>
               <p:cNvPr id="31" name="ZoneTexte 30"/>
@@ -12298,8 +12349,8 @@
           </p:sp>
         </mc:Fallback>
       </mc:AlternateContent>
-      <mc:AlternateContent xmlns:mc="http://schemas.openxmlformats.org/markup-compatibility/2006">
-        <mc:Choice xmlns:a14="http://schemas.microsoft.com/office/drawing/2010/main" Requires="a14">
+      <mc:AlternateContent xmlns:mc="http://schemas.openxmlformats.org/markup-compatibility/2006" xmlns:a14="http://schemas.microsoft.com/office/drawing/2010/main">
+        <mc:Choice Requires="a14">
           <p:sp>
             <p:nvSpPr>
               <p:cNvPr id="32" name="ZoneTexte 31"/>
@@ -12322,6 +12373,7 @@
               </a:bodyPr>
               <a:lstStyle/>
               <a:p>
+                <a:pPr/>
                 <a14:m>
                   <m:oMathPara xmlns:m="http://schemas.openxmlformats.org/officeDocument/2006/math">
                     <m:oMathParaPr>
@@ -12354,7 +12406,7 @@
             </p:txBody>
           </p:sp>
         </mc:Choice>
-        <mc:Fallback>
+        <mc:Fallback xmlns="">
           <p:sp>
             <p:nvSpPr>
               <p:cNvPr id="32" name="ZoneTexte 31"/>
@@ -12393,8 +12445,8 @@
           </p:sp>
         </mc:Fallback>
       </mc:AlternateContent>
-      <mc:AlternateContent xmlns:mc="http://schemas.openxmlformats.org/markup-compatibility/2006">
-        <mc:Choice xmlns:a14="http://schemas.microsoft.com/office/drawing/2010/main" Requires="a14">
+      <mc:AlternateContent xmlns:mc="http://schemas.openxmlformats.org/markup-compatibility/2006" xmlns:a14="http://schemas.microsoft.com/office/drawing/2010/main">
+        <mc:Choice Requires="a14">
           <p:sp>
             <p:nvSpPr>
               <p:cNvPr id="33" name="ZoneTexte 32"/>
@@ -12417,6 +12469,7 @@
               </a:bodyPr>
               <a:lstStyle/>
               <a:p>
+                <a:pPr/>
                 <a14:m>
                   <m:oMathPara xmlns:m="http://schemas.openxmlformats.org/officeDocument/2006/math">
                     <m:oMathParaPr>
@@ -12449,7 +12502,7 @@
             </p:txBody>
           </p:sp>
         </mc:Choice>
-        <mc:Fallback>
+        <mc:Fallback xmlns="">
           <p:sp>
             <p:nvSpPr>
               <p:cNvPr id="33" name="ZoneTexte 32"/>
@@ -12492,6 +12545,2168 @@
     <p:extLst>
       <p:ext uri="{BB962C8B-B14F-4D97-AF65-F5344CB8AC3E}">
         <p14:creationId xmlns:p14="http://schemas.microsoft.com/office/powerpoint/2010/main" val="3395247429"/>
+      </p:ext>
+    </p:extLst>
+  </p:cSld>
+  <p:clrMapOvr>
+    <a:masterClrMapping/>
+  </p:clrMapOvr>
+  <p:timing>
+    <p:tnLst>
+      <p:par>
+        <p:cTn id="1" dur="indefinite" restart="never" nodeType="tmRoot"/>
+      </p:par>
+    </p:tnLst>
+  </p:timing>
+</p:sld>
+</file>
+
+<file path=ppt/slides/slide7.xml><?xml version="1.0" encoding="utf-8"?>
+<p:sld xmlns:a="http://schemas.openxmlformats.org/drawingml/2006/main" xmlns:r="http://schemas.openxmlformats.org/officeDocument/2006/relationships" xmlns:p="http://schemas.openxmlformats.org/presentationml/2006/main">
+  <p:cSld>
+    <p:spTree>
+      <p:nvGrpSpPr>
+        <p:cNvPr id="1" name=""/>
+        <p:cNvGrpSpPr/>
+        <p:nvPr/>
+      </p:nvGrpSpPr>
+      <p:grpSpPr>
+        <a:xfrm>
+          <a:off x="0" y="0"/>
+          <a:ext cx="0" cy="0"/>
+          <a:chOff x="0" y="0"/>
+          <a:chExt cx="0" cy="0"/>
+        </a:xfrm>
+      </p:grpSpPr>
+      <p:sp>
+        <p:nvSpPr>
+          <p:cNvPr id="2" name="Titre 1"/>
+          <p:cNvSpPr>
+            <a:spLocks noGrp="1"/>
+          </p:cNvSpPr>
+          <p:nvPr>
+            <p:ph type="title"/>
+          </p:nvPr>
+        </p:nvSpPr>
+        <p:spPr/>
+        <p:txBody>
+          <a:bodyPr/>
+          <a:lstStyle/>
+          <a:p>
+            <a:r>
+              <a:rPr lang="fr-FR" dirty="0" smtClean="0"/>
+              <a:t>Présentation</a:t>
+            </a:r>
+            <a:endParaRPr lang="fr-FR" dirty="0"/>
+          </a:p>
+        </p:txBody>
+      </p:sp>
+      <p:sp>
+        <p:nvSpPr>
+          <p:cNvPr id="3" name="Espace réservé du pied de page 2"/>
+          <p:cNvSpPr>
+            <a:spLocks noGrp="1"/>
+          </p:cNvSpPr>
+          <p:nvPr>
+            <p:ph type="ftr" sz="quarter" idx="11"/>
+          </p:nvPr>
+        </p:nvSpPr>
+        <p:spPr/>
+        <p:txBody>
+          <a:bodyPr/>
+          <a:lstStyle/>
+          <a:p>
+            <a:r>
+              <a:rPr lang="fr-FR" smtClean="0"/>
+              <a:t>Piles et Files - Xavier PESSOLES</a:t>
+            </a:r>
+            <a:endParaRPr lang="fr-FR" dirty="0"/>
+          </a:p>
+        </p:txBody>
+      </p:sp>
+      <p:sp>
+        <p:nvSpPr>
+          <p:cNvPr id="4" name="Espace réservé du numéro de diapositive 3"/>
+          <p:cNvSpPr>
+            <a:spLocks noGrp="1"/>
+          </p:cNvSpPr>
+          <p:nvPr>
+            <p:ph type="sldNum" sz="quarter" idx="12"/>
+          </p:nvPr>
+        </p:nvSpPr>
+        <p:spPr/>
+        <p:txBody>
+          <a:bodyPr/>
+          <a:lstStyle/>
+          <a:p>
+            <a:fld id="{3F1D8263-54E8-442D-88B4-DA252C595E3D}" type="slidenum">
+              <a:rPr lang="fr-FR" smtClean="0"/>
+              <a:pPr/>
+              <a:t>7</a:t>
+            </a:fld>
+            <a:endParaRPr lang="fr-FR"/>
+          </a:p>
+        </p:txBody>
+      </p:sp>
+      <p:sp>
+        <p:nvSpPr>
+          <p:cNvPr id="6" name="Rectangle 5"/>
+          <p:cNvSpPr/>
+          <p:nvPr/>
+        </p:nvSpPr>
+        <p:spPr>
+          <a:xfrm>
+            <a:off x="7378517" y="6048176"/>
+            <a:ext cx="1765483" cy="276999"/>
+          </a:xfrm>
+          <a:prstGeom prst="rect">
+            <a:avLst/>
+          </a:prstGeom>
+        </p:spPr>
+        <p:txBody>
+          <a:bodyPr wrap="none">
+            <a:spAutoFit/>
+          </a:bodyPr>
+          <a:lstStyle/>
+          <a:p>
+            <a:r>
+              <a:rPr lang="fr-FR" sz="1200" i="1" dirty="0">
+                <a:solidFill>
+                  <a:schemeClr val="tx1">
+                    <a:lumMod val="50000"/>
+                    <a:lumOff val="50000"/>
+                  </a:schemeClr>
+                </a:solidFill>
+              </a:rPr>
+              <a:t>http://www.turbosquid.com/</a:t>
+            </a:r>
+          </a:p>
+        </p:txBody>
+      </p:sp>
+      <p:sp>
+        <p:nvSpPr>
+          <p:cNvPr id="10" name="Éclair 9"/>
+          <p:cNvSpPr/>
+          <p:nvPr/>
+        </p:nvSpPr>
+        <p:spPr>
+          <a:xfrm rot="3821216" flipV="1">
+            <a:off x="2768439" y="1158487"/>
+            <a:ext cx="827658" cy="924165"/>
+          </a:xfrm>
+          <a:prstGeom prst="lightningBolt">
+            <a:avLst/>
+          </a:prstGeom>
+        </p:spPr>
+        <p:style>
+          <a:lnRef idx="2">
+            <a:schemeClr val="accent1">
+              <a:shade val="50000"/>
+            </a:schemeClr>
+          </a:lnRef>
+          <a:fillRef idx="1">
+            <a:schemeClr val="accent1"/>
+          </a:fillRef>
+          <a:effectRef idx="0">
+            <a:schemeClr val="accent1"/>
+          </a:effectRef>
+          <a:fontRef idx="minor">
+            <a:schemeClr val="lt1"/>
+          </a:fontRef>
+        </p:style>
+        <p:txBody>
+          <a:bodyPr rtlCol="0" anchor="ctr"/>
+          <a:lstStyle/>
+          <a:p>
+            <a:pPr algn="ctr"/>
+            <a:endParaRPr lang="fr-FR"/>
+          </a:p>
+        </p:txBody>
+      </p:sp>
+      <p:sp>
+        <p:nvSpPr>
+          <p:cNvPr id="8" name="ZoneTexte 7"/>
+          <p:cNvSpPr txBox="1"/>
+          <p:nvPr/>
+        </p:nvSpPr>
+        <p:spPr>
+          <a:xfrm>
+            <a:off x="-108520" y="1193247"/>
+            <a:ext cx="2664296" cy="923330"/>
+          </a:xfrm>
+          <a:prstGeom prst="rect">
+            <a:avLst/>
+          </a:prstGeom>
+          <a:noFill/>
+        </p:spPr>
+        <p:txBody>
+          <a:bodyPr wrap="square" rtlCol="0">
+            <a:spAutoFit/>
+          </a:bodyPr>
+          <a:lstStyle/>
+          <a:p>
+            <a:pPr algn="r"/>
+            <a:r>
+              <a:rPr lang="fr-FR" dirty="0" smtClean="0"/>
+              <a:t>Premier arrivé</a:t>
+            </a:r>
+            <a:endParaRPr lang="fr-FR" dirty="0" smtClean="0"/>
+          </a:p>
+          <a:p>
+            <a:pPr algn="r"/>
+            <a:r>
+              <a:rPr lang="fr-FR" dirty="0" smtClean="0"/>
+              <a:t>First In</a:t>
+            </a:r>
+          </a:p>
+          <a:p>
+            <a:pPr algn="r"/>
+            <a:r>
+              <a:rPr lang="fr-FR" dirty="0" smtClean="0"/>
+              <a:t>Push</a:t>
+            </a:r>
+            <a:endParaRPr lang="fr-FR" dirty="0"/>
+          </a:p>
+        </p:txBody>
+      </p:sp>
+      <p:sp>
+        <p:nvSpPr>
+          <p:cNvPr id="12" name="ZoneTexte 11"/>
+          <p:cNvSpPr txBox="1"/>
+          <p:nvPr/>
+        </p:nvSpPr>
+        <p:spPr>
+          <a:xfrm>
+            <a:off x="7642781" y="2588384"/>
+            <a:ext cx="2664296" cy="923330"/>
+          </a:xfrm>
+          <a:prstGeom prst="rect">
+            <a:avLst/>
+          </a:prstGeom>
+          <a:noFill/>
+        </p:spPr>
+        <p:txBody>
+          <a:bodyPr wrap="square" rtlCol="0">
+            <a:spAutoFit/>
+          </a:bodyPr>
+          <a:lstStyle/>
+          <a:p>
+            <a:r>
+              <a:rPr lang="fr-FR" dirty="0" smtClean="0"/>
+              <a:t>Premier parti</a:t>
+            </a:r>
+          </a:p>
+          <a:p>
+            <a:r>
+              <a:rPr lang="fr-FR" dirty="0" smtClean="0"/>
+              <a:t>First Out</a:t>
+            </a:r>
+          </a:p>
+          <a:p>
+            <a:r>
+              <a:rPr lang="fr-FR" dirty="0" smtClean="0"/>
+              <a:t>Pop</a:t>
+            </a:r>
+            <a:endParaRPr lang="fr-FR" dirty="0"/>
+          </a:p>
+        </p:txBody>
+      </p:sp>
+      <p:sp>
+        <p:nvSpPr>
+          <p:cNvPr id="13" name="Éclair 12"/>
+          <p:cNvSpPr/>
+          <p:nvPr/>
+        </p:nvSpPr>
+        <p:spPr>
+          <a:xfrm rot="1842214" flipV="1">
+            <a:off x="6525376" y="2745700"/>
+            <a:ext cx="908088" cy="728173"/>
+          </a:xfrm>
+          <a:prstGeom prst="lightningBolt">
+            <a:avLst/>
+          </a:prstGeom>
+        </p:spPr>
+        <p:style>
+          <a:lnRef idx="2">
+            <a:schemeClr val="accent1">
+              <a:shade val="50000"/>
+            </a:schemeClr>
+          </a:lnRef>
+          <a:fillRef idx="1">
+            <a:schemeClr val="accent1"/>
+          </a:fillRef>
+          <a:effectRef idx="0">
+            <a:schemeClr val="accent1"/>
+          </a:effectRef>
+          <a:fontRef idx="minor">
+            <a:schemeClr val="lt1"/>
+          </a:fontRef>
+        </p:style>
+        <p:txBody>
+          <a:bodyPr rtlCol="0" anchor="ctr"/>
+          <a:lstStyle/>
+          <a:p>
+            <a:pPr algn="ctr"/>
+            <a:endParaRPr lang="fr-FR"/>
+          </a:p>
+        </p:txBody>
+      </p:sp>
+      <p:cxnSp>
+        <p:nvCxnSpPr>
+          <p:cNvPr id="14" name="Connecteur droit 13"/>
+          <p:cNvCxnSpPr/>
+          <p:nvPr/>
+        </p:nvCxnSpPr>
+        <p:spPr>
+          <a:xfrm>
+            <a:off x="2555776" y="1281595"/>
+            <a:ext cx="0" cy="746481"/>
+          </a:xfrm>
+          <a:prstGeom prst="line">
+            <a:avLst/>
+          </a:prstGeom>
+          <a:ln w="38100"/>
+        </p:spPr>
+        <p:style>
+          <a:lnRef idx="1">
+            <a:schemeClr val="accent1"/>
+          </a:lnRef>
+          <a:fillRef idx="0">
+            <a:schemeClr val="accent1"/>
+          </a:fillRef>
+          <a:effectRef idx="0">
+            <a:schemeClr val="accent1"/>
+          </a:effectRef>
+          <a:fontRef idx="minor">
+            <a:schemeClr val="tx1"/>
+          </a:fontRef>
+        </p:style>
+      </p:cxnSp>
+      <p:cxnSp>
+        <p:nvCxnSpPr>
+          <p:cNvPr id="17" name="Connecteur droit 16"/>
+          <p:cNvCxnSpPr/>
+          <p:nvPr/>
+        </p:nvCxnSpPr>
+        <p:spPr>
+          <a:xfrm>
+            <a:off x="7642781" y="2676809"/>
+            <a:ext cx="0" cy="746481"/>
+          </a:xfrm>
+          <a:prstGeom prst="line">
+            <a:avLst/>
+          </a:prstGeom>
+          <a:ln w="38100"/>
+        </p:spPr>
+        <p:style>
+          <a:lnRef idx="1">
+            <a:schemeClr val="accent1"/>
+          </a:lnRef>
+          <a:fillRef idx="0">
+            <a:schemeClr val="accent1"/>
+          </a:fillRef>
+          <a:effectRef idx="0">
+            <a:schemeClr val="accent1"/>
+          </a:effectRef>
+          <a:fontRef idx="minor">
+            <a:schemeClr val="tx1"/>
+          </a:fontRef>
+        </p:style>
+      </p:cxnSp>
+      <p:sp>
+        <p:nvSpPr>
+          <p:cNvPr id="16" name="Rectangle 15"/>
+          <p:cNvSpPr/>
+          <p:nvPr/>
+        </p:nvSpPr>
+        <p:spPr>
+          <a:xfrm>
+            <a:off x="971600" y="4869160"/>
+            <a:ext cx="720080" cy="720080"/>
+          </a:xfrm>
+          <a:prstGeom prst="rect">
+            <a:avLst/>
+          </a:prstGeom>
+          <a:noFill/>
+          <a:ln>
+            <a:solidFill>
+              <a:schemeClr val="accent2">
+                <a:lumMod val="50000"/>
+              </a:schemeClr>
+            </a:solidFill>
+          </a:ln>
+        </p:spPr>
+        <p:style>
+          <a:lnRef idx="2">
+            <a:schemeClr val="accent1">
+              <a:shade val="50000"/>
+            </a:schemeClr>
+          </a:lnRef>
+          <a:fillRef idx="1">
+            <a:schemeClr val="accent1"/>
+          </a:fillRef>
+          <a:effectRef idx="0">
+            <a:schemeClr val="accent1"/>
+          </a:effectRef>
+          <a:fontRef idx="minor">
+            <a:schemeClr val="lt1"/>
+          </a:fontRef>
+        </p:style>
+        <p:txBody>
+          <a:bodyPr rtlCol="0" anchor="ctr"/>
+          <a:lstStyle/>
+          <a:p>
+            <a:pPr algn="ctr"/>
+            <a:endParaRPr lang="fr-FR"/>
+          </a:p>
+        </p:txBody>
+      </p:sp>
+      <p:sp>
+        <p:nvSpPr>
+          <p:cNvPr id="19" name="Rectangle 18"/>
+          <p:cNvSpPr/>
+          <p:nvPr/>
+        </p:nvSpPr>
+        <p:spPr>
+          <a:xfrm>
+            <a:off x="1691680" y="4869160"/>
+            <a:ext cx="720080" cy="720080"/>
+          </a:xfrm>
+          <a:prstGeom prst="rect">
+            <a:avLst/>
+          </a:prstGeom>
+          <a:noFill/>
+          <a:ln>
+            <a:solidFill>
+              <a:schemeClr val="accent2">
+                <a:lumMod val="50000"/>
+              </a:schemeClr>
+            </a:solidFill>
+          </a:ln>
+        </p:spPr>
+        <p:style>
+          <a:lnRef idx="2">
+            <a:schemeClr val="accent1">
+              <a:shade val="50000"/>
+            </a:schemeClr>
+          </a:lnRef>
+          <a:fillRef idx="1">
+            <a:schemeClr val="accent1"/>
+          </a:fillRef>
+          <a:effectRef idx="0">
+            <a:schemeClr val="accent1"/>
+          </a:effectRef>
+          <a:fontRef idx="minor">
+            <a:schemeClr val="lt1"/>
+          </a:fontRef>
+        </p:style>
+        <p:txBody>
+          <a:bodyPr rtlCol="0" anchor="ctr"/>
+          <a:lstStyle/>
+          <a:p>
+            <a:pPr algn="ctr"/>
+            <a:endParaRPr lang="fr-FR"/>
+          </a:p>
+        </p:txBody>
+      </p:sp>
+      <p:sp>
+        <p:nvSpPr>
+          <p:cNvPr id="20" name="Rectangle 19"/>
+          <p:cNvSpPr/>
+          <p:nvPr/>
+        </p:nvSpPr>
+        <p:spPr>
+          <a:xfrm>
+            <a:off x="2411760" y="4869160"/>
+            <a:ext cx="720080" cy="720080"/>
+          </a:xfrm>
+          <a:prstGeom prst="rect">
+            <a:avLst/>
+          </a:prstGeom>
+          <a:noFill/>
+          <a:ln>
+            <a:solidFill>
+              <a:schemeClr val="accent2">
+                <a:lumMod val="50000"/>
+              </a:schemeClr>
+            </a:solidFill>
+          </a:ln>
+        </p:spPr>
+        <p:style>
+          <a:lnRef idx="2">
+            <a:schemeClr val="accent1">
+              <a:shade val="50000"/>
+            </a:schemeClr>
+          </a:lnRef>
+          <a:fillRef idx="1">
+            <a:schemeClr val="accent1"/>
+          </a:fillRef>
+          <a:effectRef idx="0">
+            <a:schemeClr val="accent1"/>
+          </a:effectRef>
+          <a:fontRef idx="minor">
+            <a:schemeClr val="lt1"/>
+          </a:fontRef>
+        </p:style>
+        <p:txBody>
+          <a:bodyPr rtlCol="0" anchor="ctr"/>
+          <a:lstStyle/>
+          <a:p>
+            <a:pPr algn="ctr"/>
+            <a:endParaRPr lang="fr-FR"/>
+          </a:p>
+        </p:txBody>
+      </p:sp>
+      <p:sp>
+        <p:nvSpPr>
+          <p:cNvPr id="21" name="Rectangle 20"/>
+          <p:cNvSpPr/>
+          <p:nvPr/>
+        </p:nvSpPr>
+        <p:spPr>
+          <a:xfrm>
+            <a:off x="3130973" y="4869160"/>
+            <a:ext cx="720080" cy="720080"/>
+          </a:xfrm>
+          <a:prstGeom prst="rect">
+            <a:avLst/>
+          </a:prstGeom>
+          <a:noFill/>
+          <a:ln>
+            <a:solidFill>
+              <a:schemeClr val="accent2">
+                <a:lumMod val="50000"/>
+              </a:schemeClr>
+            </a:solidFill>
+            <a:prstDash val="dash"/>
+          </a:ln>
+        </p:spPr>
+        <p:style>
+          <a:lnRef idx="2">
+            <a:schemeClr val="accent1">
+              <a:shade val="50000"/>
+            </a:schemeClr>
+          </a:lnRef>
+          <a:fillRef idx="1">
+            <a:schemeClr val="accent1"/>
+          </a:fillRef>
+          <a:effectRef idx="0">
+            <a:schemeClr val="accent1"/>
+          </a:effectRef>
+          <a:fontRef idx="minor">
+            <a:schemeClr val="lt1"/>
+          </a:fontRef>
+        </p:style>
+        <p:txBody>
+          <a:bodyPr rtlCol="0" anchor="ctr"/>
+          <a:lstStyle/>
+          <a:p>
+            <a:pPr algn="ctr"/>
+            <a:endParaRPr lang="fr-FR"/>
+          </a:p>
+        </p:txBody>
+      </p:sp>
+      <p:sp>
+        <p:nvSpPr>
+          <p:cNvPr id="22" name="Rectangle 21"/>
+          <p:cNvSpPr/>
+          <p:nvPr/>
+        </p:nvSpPr>
+        <p:spPr>
+          <a:xfrm>
+            <a:off x="3851920" y="4869160"/>
+            <a:ext cx="720080" cy="720080"/>
+          </a:xfrm>
+          <a:prstGeom prst="rect">
+            <a:avLst/>
+          </a:prstGeom>
+          <a:noFill/>
+          <a:ln>
+            <a:solidFill>
+              <a:schemeClr val="accent2">
+                <a:lumMod val="50000"/>
+              </a:schemeClr>
+            </a:solidFill>
+            <a:prstDash val="dash"/>
+          </a:ln>
+        </p:spPr>
+        <p:style>
+          <a:lnRef idx="2">
+            <a:schemeClr val="accent1">
+              <a:shade val="50000"/>
+            </a:schemeClr>
+          </a:lnRef>
+          <a:fillRef idx="1">
+            <a:schemeClr val="accent1"/>
+          </a:fillRef>
+          <a:effectRef idx="0">
+            <a:schemeClr val="accent1"/>
+          </a:effectRef>
+          <a:fontRef idx="minor">
+            <a:schemeClr val="lt1"/>
+          </a:fontRef>
+        </p:style>
+        <p:txBody>
+          <a:bodyPr rtlCol="0" anchor="ctr"/>
+          <a:lstStyle/>
+          <a:p>
+            <a:pPr algn="ctr"/>
+            <a:endParaRPr lang="fr-FR"/>
+          </a:p>
+        </p:txBody>
+      </p:sp>
+      <p:sp>
+        <p:nvSpPr>
+          <p:cNvPr id="23" name="Rectangle 22"/>
+          <p:cNvSpPr/>
+          <p:nvPr/>
+        </p:nvSpPr>
+        <p:spPr>
+          <a:xfrm>
+            <a:off x="4572000" y="4869160"/>
+            <a:ext cx="720080" cy="720080"/>
+          </a:xfrm>
+          <a:prstGeom prst="rect">
+            <a:avLst/>
+          </a:prstGeom>
+          <a:noFill/>
+          <a:ln>
+            <a:solidFill>
+              <a:schemeClr val="accent2">
+                <a:lumMod val="50000"/>
+              </a:schemeClr>
+            </a:solidFill>
+          </a:ln>
+        </p:spPr>
+        <p:style>
+          <a:lnRef idx="2">
+            <a:schemeClr val="accent1">
+              <a:shade val="50000"/>
+            </a:schemeClr>
+          </a:lnRef>
+          <a:fillRef idx="1">
+            <a:schemeClr val="accent1"/>
+          </a:fillRef>
+          <a:effectRef idx="0">
+            <a:schemeClr val="accent1"/>
+          </a:effectRef>
+          <a:fontRef idx="minor">
+            <a:schemeClr val="lt1"/>
+          </a:fontRef>
+        </p:style>
+        <p:txBody>
+          <a:bodyPr rtlCol="0" anchor="ctr"/>
+          <a:lstStyle/>
+          <a:p>
+            <a:pPr algn="ctr"/>
+            <a:endParaRPr lang="fr-FR"/>
+          </a:p>
+        </p:txBody>
+      </p:sp>
+      <p:sp>
+        <p:nvSpPr>
+          <p:cNvPr id="24" name="Rectangle 23"/>
+          <p:cNvSpPr/>
+          <p:nvPr/>
+        </p:nvSpPr>
+        <p:spPr>
+          <a:xfrm>
+            <a:off x="5292080" y="4869160"/>
+            <a:ext cx="720080" cy="720080"/>
+          </a:xfrm>
+          <a:prstGeom prst="rect">
+            <a:avLst/>
+          </a:prstGeom>
+          <a:noFill/>
+          <a:ln>
+            <a:solidFill>
+              <a:schemeClr val="accent2">
+                <a:lumMod val="50000"/>
+              </a:schemeClr>
+            </a:solidFill>
+          </a:ln>
+        </p:spPr>
+        <p:style>
+          <a:lnRef idx="2">
+            <a:schemeClr val="accent1">
+              <a:shade val="50000"/>
+            </a:schemeClr>
+          </a:lnRef>
+          <a:fillRef idx="1">
+            <a:schemeClr val="accent1"/>
+          </a:fillRef>
+          <a:effectRef idx="0">
+            <a:schemeClr val="accent1"/>
+          </a:effectRef>
+          <a:fontRef idx="minor">
+            <a:schemeClr val="lt1"/>
+          </a:fontRef>
+        </p:style>
+        <p:txBody>
+          <a:bodyPr rtlCol="0" anchor="ctr"/>
+          <a:lstStyle/>
+          <a:p>
+            <a:pPr algn="ctr"/>
+            <a:endParaRPr lang="fr-FR"/>
+          </a:p>
+        </p:txBody>
+      </p:sp>
+      <p:sp>
+        <p:nvSpPr>
+          <p:cNvPr id="25" name="Rectangle 24"/>
+          <p:cNvSpPr/>
+          <p:nvPr/>
+        </p:nvSpPr>
+        <p:spPr>
+          <a:xfrm>
+            <a:off x="7668344" y="4869160"/>
+            <a:ext cx="720080" cy="720080"/>
+          </a:xfrm>
+          <a:prstGeom prst="rect">
+            <a:avLst/>
+          </a:prstGeom>
+          <a:noFill/>
+          <a:ln>
+            <a:solidFill>
+              <a:schemeClr val="accent2">
+                <a:lumMod val="50000"/>
+              </a:schemeClr>
+            </a:solidFill>
+          </a:ln>
+        </p:spPr>
+        <p:style>
+          <a:lnRef idx="2">
+            <a:schemeClr val="accent1">
+              <a:shade val="50000"/>
+            </a:schemeClr>
+          </a:lnRef>
+          <a:fillRef idx="1">
+            <a:schemeClr val="accent1"/>
+          </a:fillRef>
+          <a:effectRef idx="0">
+            <a:schemeClr val="accent1"/>
+          </a:effectRef>
+          <a:fontRef idx="minor">
+            <a:schemeClr val="lt1"/>
+          </a:fontRef>
+        </p:style>
+        <p:txBody>
+          <a:bodyPr rtlCol="0" anchor="ctr"/>
+          <a:lstStyle/>
+          <a:p>
+            <a:pPr algn="ctr"/>
+            <a:endParaRPr lang="fr-FR"/>
+          </a:p>
+        </p:txBody>
+      </p:sp>
+      <p:cxnSp>
+        <p:nvCxnSpPr>
+          <p:cNvPr id="26" name="Connecteur droit 25"/>
+          <p:cNvCxnSpPr/>
+          <p:nvPr/>
+        </p:nvCxnSpPr>
+        <p:spPr>
+          <a:xfrm>
+            <a:off x="971600" y="4581128"/>
+            <a:ext cx="0" cy="1224136"/>
+          </a:xfrm>
+          <a:prstGeom prst="line">
+            <a:avLst/>
+          </a:prstGeom>
+          <a:noFill/>
+          <a:ln>
+            <a:solidFill>
+              <a:schemeClr val="accent2">
+                <a:lumMod val="50000"/>
+              </a:schemeClr>
+            </a:solidFill>
+          </a:ln>
+        </p:spPr>
+        <p:style>
+          <a:lnRef idx="2">
+            <a:schemeClr val="accent1">
+              <a:shade val="50000"/>
+            </a:schemeClr>
+          </a:lnRef>
+          <a:fillRef idx="1">
+            <a:schemeClr val="accent1"/>
+          </a:fillRef>
+          <a:effectRef idx="0">
+            <a:schemeClr val="accent1"/>
+          </a:effectRef>
+          <a:fontRef idx="minor">
+            <a:schemeClr val="lt1"/>
+          </a:fontRef>
+        </p:style>
+      </p:cxnSp>
+      <p:sp>
+        <p:nvSpPr>
+          <p:cNvPr id="27" name="Forme libre 26"/>
+          <p:cNvSpPr/>
+          <p:nvPr/>
+        </p:nvSpPr>
+        <p:spPr>
+          <a:xfrm>
+            <a:off x="756303" y="4591050"/>
+            <a:ext cx="210485" cy="1195388"/>
+          </a:xfrm>
+          <a:custGeom>
+            <a:avLst/>
+            <a:gdLst>
+              <a:gd name="connsiteX0" fmla="*/ 276225 w 276225"/>
+              <a:gd name="connsiteY0" fmla="*/ 0 h 1195388"/>
+              <a:gd name="connsiteX1" fmla="*/ 0 w 276225"/>
+              <a:gd name="connsiteY1" fmla="*/ 609600 h 1195388"/>
+              <a:gd name="connsiteX2" fmla="*/ 276225 w 276225"/>
+              <a:gd name="connsiteY2" fmla="*/ 1195388 h 1195388"/>
+              <a:gd name="connsiteX0" fmla="*/ 288274 w 288274"/>
+              <a:gd name="connsiteY0" fmla="*/ 0 h 1195388"/>
+              <a:gd name="connsiteX1" fmla="*/ 12049 w 288274"/>
+              <a:gd name="connsiteY1" fmla="*/ 609600 h 1195388"/>
+              <a:gd name="connsiteX2" fmla="*/ 288274 w 288274"/>
+              <a:gd name="connsiteY2" fmla="*/ 1195388 h 1195388"/>
+              <a:gd name="connsiteX0" fmla="*/ 288274 w 288274"/>
+              <a:gd name="connsiteY0" fmla="*/ 0 h 1195388"/>
+              <a:gd name="connsiteX1" fmla="*/ 12049 w 288274"/>
+              <a:gd name="connsiteY1" fmla="*/ 609600 h 1195388"/>
+              <a:gd name="connsiteX2" fmla="*/ 288274 w 288274"/>
+              <a:gd name="connsiteY2" fmla="*/ 1195388 h 1195388"/>
+              <a:gd name="connsiteX0" fmla="*/ 210485 w 210485"/>
+              <a:gd name="connsiteY0" fmla="*/ 0 h 1195388"/>
+              <a:gd name="connsiteX1" fmla="*/ 77135 w 210485"/>
+              <a:gd name="connsiteY1" fmla="*/ 628650 h 1195388"/>
+              <a:gd name="connsiteX2" fmla="*/ 210485 w 210485"/>
+              <a:gd name="connsiteY2" fmla="*/ 1195388 h 1195388"/>
+            </a:gdLst>
+            <a:ahLst/>
+            <a:cxnLst>
+              <a:cxn ang="0">
+                <a:pos x="connsiteX0" y="connsiteY0"/>
+              </a:cxn>
+              <a:cxn ang="0">
+                <a:pos x="connsiteX1" y="connsiteY1"/>
+              </a:cxn>
+              <a:cxn ang="0">
+                <a:pos x="connsiteX2" y="connsiteY2"/>
+              </a:cxn>
+            </a:cxnLst>
+            <a:rect l="l" t="t" r="r" b="b"/>
+            <a:pathLst>
+              <a:path w="210485" h="1195388">
+                <a:moveTo>
+                  <a:pt x="210485" y="0"/>
+                </a:moveTo>
+                <a:cubicBezTo>
+                  <a:pt x="-165753" y="86121"/>
+                  <a:pt x="77135" y="429419"/>
+                  <a:pt x="77135" y="628650"/>
+                </a:cubicBezTo>
+                <a:cubicBezTo>
+                  <a:pt x="77135" y="827881"/>
+                  <a:pt x="-94315" y="1192609"/>
+                  <a:pt x="210485" y="1195388"/>
+                </a:cubicBezTo>
+              </a:path>
+            </a:pathLst>
+          </a:custGeom>
+          <a:solidFill>
+            <a:schemeClr val="accent2">
+              <a:lumMod val="40000"/>
+              <a:lumOff val="60000"/>
+            </a:schemeClr>
+          </a:solidFill>
+          <a:ln>
+            <a:solidFill>
+              <a:schemeClr val="accent2">
+                <a:lumMod val="50000"/>
+              </a:schemeClr>
+            </a:solidFill>
+          </a:ln>
+        </p:spPr>
+        <p:style>
+          <a:lnRef idx="2">
+            <a:schemeClr val="accent1">
+              <a:shade val="50000"/>
+            </a:schemeClr>
+          </a:lnRef>
+          <a:fillRef idx="1">
+            <a:schemeClr val="accent1"/>
+          </a:fillRef>
+          <a:effectRef idx="0">
+            <a:schemeClr val="accent1"/>
+          </a:effectRef>
+          <a:fontRef idx="minor">
+            <a:schemeClr val="lt1"/>
+          </a:fontRef>
+        </p:style>
+        <p:txBody>
+          <a:bodyPr rtlCol="0" anchor="ctr"/>
+          <a:lstStyle/>
+          <a:p>
+            <a:pPr algn="ctr"/>
+            <a:endParaRPr lang="fr-FR"/>
+          </a:p>
+        </p:txBody>
+      </p:sp>
+      <mc:AlternateContent xmlns:mc="http://schemas.openxmlformats.org/markup-compatibility/2006" xmlns:a14="http://schemas.microsoft.com/office/drawing/2010/main">
+        <mc:Choice Requires="a14">
+          <p:sp>
+            <p:nvSpPr>
+              <p:cNvPr id="28" name="ZoneTexte 27"/>
+              <p:cNvSpPr txBox="1"/>
+              <p:nvPr/>
+            </p:nvSpPr>
+            <p:spPr>
+              <a:xfrm>
+                <a:off x="7582372" y="5620598"/>
+                <a:ext cx="950068" cy="369332"/>
+              </a:xfrm>
+              <a:prstGeom prst="rect">
+                <a:avLst/>
+              </a:prstGeom>
+              <a:noFill/>
+            </p:spPr>
+            <p:txBody>
+              <a:bodyPr wrap="none" rtlCol="0">
+                <a:spAutoFit/>
+              </a:bodyPr>
+              <a:lstStyle/>
+              <a:p>
+                <a:pPr/>
+                <a14:m>
+                  <m:oMathPara xmlns:m="http://schemas.openxmlformats.org/officeDocument/2006/math">
+                    <m:oMathParaPr>
+                      <m:jc m:val="centerGroup"/>
+                    </m:oMathParaPr>
+                    <m:oMath xmlns:m="http://schemas.openxmlformats.org/officeDocument/2006/math">
+                      <m:r>
+                        <a:rPr lang="fr-FR" b="0" i="1" smtClean="0">
+                          <a:latin typeface="Cambria Math"/>
+                        </a:rPr>
+                        <m:t>[</m:t>
+                      </m:r>
+                      <m:r>
+                        <a:rPr lang="fr-FR" b="0" i="1" smtClean="0">
+                          <a:latin typeface="Cambria Math"/>
+                        </a:rPr>
+                        <m:t>𝑛</m:t>
+                      </m:r>
+                      <m:r>
+                        <a:rPr lang="fr-FR" b="0" i="1" smtClean="0">
+                          <a:latin typeface="Cambria Math"/>
+                        </a:rPr>
+                        <m:t>+1]</m:t>
+                      </m:r>
+                    </m:oMath>
+                  </m:oMathPara>
+                </a14:m>
+                <a:endParaRPr lang="fr-FR" dirty="0"/>
+              </a:p>
+            </p:txBody>
+          </p:sp>
+        </mc:Choice>
+        <mc:Fallback xmlns="">
+          <p:sp>
+            <p:nvSpPr>
+              <p:cNvPr id="28" name="ZoneTexte 27"/>
+              <p:cNvSpPr txBox="1">
+                <a:spLocks noRot="1" noChangeAspect="1" noMove="1" noResize="1" noEditPoints="1" noAdjustHandles="1" noChangeArrowheads="1" noChangeShapeType="1" noTextEdit="1"/>
+              </p:cNvSpPr>
+              <p:nvPr/>
+            </p:nvSpPr>
+            <p:spPr>
+              <a:xfrm>
+                <a:off x="7582372" y="5620598"/>
+                <a:ext cx="950068" cy="369332"/>
+              </a:xfrm>
+              <a:prstGeom prst="rect">
+                <a:avLst/>
+              </a:prstGeom>
+              <a:blipFill rotWithShape="1">
+                <a:blip r:embed="rId3"/>
+                <a:stretch>
+                  <a:fillRect b="-16393"/>
+                </a:stretch>
+              </a:blipFill>
+            </p:spPr>
+            <p:txBody>
+              <a:bodyPr/>
+              <a:lstStyle/>
+              <a:p>
+                <a:r>
+                  <a:rPr lang="fr-FR">
+                    <a:noFill/>
+                  </a:rPr>
+                  <a:t> </a:t>
+                </a:r>
+              </a:p>
+            </p:txBody>
+          </p:sp>
+        </mc:Fallback>
+      </mc:AlternateContent>
+      <mc:AlternateContent xmlns:mc="http://schemas.openxmlformats.org/markup-compatibility/2006" xmlns:a14="http://schemas.microsoft.com/office/drawing/2010/main">
+        <mc:Choice Requires="a14">
+          <p:sp>
+            <p:nvSpPr>
+              <p:cNvPr id="29" name="ZoneTexte 28"/>
+              <p:cNvSpPr txBox="1"/>
+              <p:nvPr/>
+            </p:nvSpPr>
+            <p:spPr>
+              <a:xfrm>
+                <a:off x="1062976" y="5620598"/>
+                <a:ext cx="537327" cy="369332"/>
+              </a:xfrm>
+              <a:prstGeom prst="rect">
+                <a:avLst/>
+              </a:prstGeom>
+              <a:noFill/>
+            </p:spPr>
+            <p:txBody>
+              <a:bodyPr wrap="none" rtlCol="0">
+                <a:spAutoFit/>
+              </a:bodyPr>
+              <a:lstStyle/>
+              <a:p>
+                <a:pPr/>
+                <a14:m>
+                  <m:oMathPara xmlns:m="http://schemas.openxmlformats.org/officeDocument/2006/math">
+                    <m:oMathParaPr>
+                      <m:jc m:val="centerGroup"/>
+                    </m:oMathParaPr>
+                    <m:oMath xmlns:m="http://schemas.openxmlformats.org/officeDocument/2006/math">
+                      <m:r>
+                        <a:rPr lang="fr-FR" b="0" i="1" smtClean="0">
+                          <a:latin typeface="Cambria Math"/>
+                        </a:rPr>
+                        <m:t>[0]</m:t>
+                      </m:r>
+                    </m:oMath>
+                  </m:oMathPara>
+                </a14:m>
+                <a:endParaRPr lang="fr-FR" dirty="0"/>
+              </a:p>
+            </p:txBody>
+          </p:sp>
+        </mc:Choice>
+        <mc:Fallback xmlns="">
+          <p:sp>
+            <p:nvSpPr>
+              <p:cNvPr id="29" name="ZoneTexte 28"/>
+              <p:cNvSpPr txBox="1">
+                <a:spLocks noRot="1" noChangeAspect="1" noMove="1" noResize="1" noEditPoints="1" noAdjustHandles="1" noChangeArrowheads="1" noChangeShapeType="1" noTextEdit="1"/>
+              </p:cNvSpPr>
+              <p:nvPr/>
+            </p:nvSpPr>
+            <p:spPr>
+              <a:xfrm>
+                <a:off x="1062976" y="5620598"/>
+                <a:ext cx="537327" cy="369332"/>
+              </a:xfrm>
+              <a:prstGeom prst="rect">
+                <a:avLst/>
+              </a:prstGeom>
+              <a:blipFill rotWithShape="1">
+                <a:blip r:embed="rId4"/>
+                <a:stretch>
+                  <a:fillRect b="-16393"/>
+                </a:stretch>
+              </a:blipFill>
+            </p:spPr>
+            <p:txBody>
+              <a:bodyPr/>
+              <a:lstStyle/>
+              <a:p>
+                <a:r>
+                  <a:rPr lang="fr-FR">
+                    <a:noFill/>
+                  </a:rPr>
+                  <a:t> </a:t>
+                </a:r>
+              </a:p>
+            </p:txBody>
+          </p:sp>
+        </mc:Fallback>
+      </mc:AlternateContent>
+      <mc:AlternateContent xmlns:mc="http://schemas.openxmlformats.org/markup-compatibility/2006" xmlns:a14="http://schemas.microsoft.com/office/drawing/2010/main">
+        <mc:Choice Requires="a14">
+          <p:sp>
+            <p:nvSpPr>
+              <p:cNvPr id="30" name="ZoneTexte 29"/>
+              <p:cNvSpPr txBox="1"/>
+              <p:nvPr/>
+            </p:nvSpPr>
+            <p:spPr>
+              <a:xfrm>
+                <a:off x="1783056" y="5620598"/>
+                <a:ext cx="537327" cy="369332"/>
+              </a:xfrm>
+              <a:prstGeom prst="rect">
+                <a:avLst/>
+              </a:prstGeom>
+              <a:noFill/>
+            </p:spPr>
+            <p:txBody>
+              <a:bodyPr wrap="none" rtlCol="0">
+                <a:spAutoFit/>
+              </a:bodyPr>
+              <a:lstStyle/>
+              <a:p>
+                <a:pPr/>
+                <a14:m>
+                  <m:oMathPara xmlns:m="http://schemas.openxmlformats.org/officeDocument/2006/math">
+                    <m:oMathParaPr>
+                      <m:jc m:val="centerGroup"/>
+                    </m:oMathParaPr>
+                    <m:oMath xmlns:m="http://schemas.openxmlformats.org/officeDocument/2006/math">
+                      <m:r>
+                        <a:rPr lang="fr-FR" b="0" i="1" smtClean="0">
+                          <a:latin typeface="Cambria Math"/>
+                        </a:rPr>
+                        <m:t>[1]</m:t>
+                      </m:r>
+                    </m:oMath>
+                  </m:oMathPara>
+                </a14:m>
+                <a:endParaRPr lang="fr-FR" dirty="0"/>
+              </a:p>
+            </p:txBody>
+          </p:sp>
+        </mc:Choice>
+        <mc:Fallback xmlns="">
+          <p:sp>
+            <p:nvSpPr>
+              <p:cNvPr id="30" name="ZoneTexte 29"/>
+              <p:cNvSpPr txBox="1">
+                <a:spLocks noRot="1" noChangeAspect="1" noMove="1" noResize="1" noEditPoints="1" noAdjustHandles="1" noChangeArrowheads="1" noChangeShapeType="1" noTextEdit="1"/>
+              </p:cNvSpPr>
+              <p:nvPr/>
+            </p:nvSpPr>
+            <p:spPr>
+              <a:xfrm>
+                <a:off x="1783056" y="5620598"/>
+                <a:ext cx="537327" cy="369332"/>
+              </a:xfrm>
+              <a:prstGeom prst="rect">
+                <a:avLst/>
+              </a:prstGeom>
+              <a:blipFill rotWithShape="1">
+                <a:blip r:embed="rId5"/>
+                <a:stretch>
+                  <a:fillRect b="-16393"/>
+                </a:stretch>
+              </a:blipFill>
+            </p:spPr>
+            <p:txBody>
+              <a:bodyPr/>
+              <a:lstStyle/>
+              <a:p>
+                <a:r>
+                  <a:rPr lang="fr-FR">
+                    <a:noFill/>
+                  </a:rPr>
+                  <a:t> </a:t>
+                </a:r>
+              </a:p>
+            </p:txBody>
+          </p:sp>
+        </mc:Fallback>
+      </mc:AlternateContent>
+      <mc:AlternateContent xmlns:mc="http://schemas.openxmlformats.org/markup-compatibility/2006" xmlns:a14="http://schemas.microsoft.com/office/drawing/2010/main">
+        <mc:Choice Requires="a14">
+          <p:sp>
+            <p:nvSpPr>
+              <p:cNvPr id="31" name="ZoneTexte 30"/>
+              <p:cNvSpPr txBox="1"/>
+              <p:nvPr/>
+            </p:nvSpPr>
+            <p:spPr>
+              <a:xfrm>
+                <a:off x="2503136" y="5620598"/>
+                <a:ext cx="537327" cy="369332"/>
+              </a:xfrm>
+              <a:prstGeom prst="rect">
+                <a:avLst/>
+              </a:prstGeom>
+              <a:noFill/>
+            </p:spPr>
+            <p:txBody>
+              <a:bodyPr wrap="none" rtlCol="0">
+                <a:spAutoFit/>
+              </a:bodyPr>
+              <a:lstStyle/>
+              <a:p>
+                <a:pPr/>
+                <a14:m>
+                  <m:oMathPara xmlns:m="http://schemas.openxmlformats.org/officeDocument/2006/math">
+                    <m:oMathParaPr>
+                      <m:jc m:val="centerGroup"/>
+                    </m:oMathParaPr>
+                    <m:oMath xmlns:m="http://schemas.openxmlformats.org/officeDocument/2006/math">
+                      <m:r>
+                        <a:rPr lang="fr-FR" b="0" i="1" smtClean="0">
+                          <a:latin typeface="Cambria Math"/>
+                        </a:rPr>
+                        <m:t>[2]</m:t>
+                      </m:r>
+                    </m:oMath>
+                  </m:oMathPara>
+                </a14:m>
+                <a:endParaRPr lang="fr-FR" dirty="0"/>
+              </a:p>
+            </p:txBody>
+          </p:sp>
+        </mc:Choice>
+        <mc:Fallback xmlns="">
+          <p:sp>
+            <p:nvSpPr>
+              <p:cNvPr id="31" name="ZoneTexte 30"/>
+              <p:cNvSpPr txBox="1">
+                <a:spLocks noRot="1" noChangeAspect="1" noMove="1" noResize="1" noEditPoints="1" noAdjustHandles="1" noChangeArrowheads="1" noChangeShapeType="1" noTextEdit="1"/>
+              </p:cNvSpPr>
+              <p:nvPr/>
+            </p:nvSpPr>
+            <p:spPr>
+              <a:xfrm>
+                <a:off x="2503136" y="5620598"/>
+                <a:ext cx="537327" cy="369332"/>
+              </a:xfrm>
+              <a:prstGeom prst="rect">
+                <a:avLst/>
+              </a:prstGeom>
+              <a:blipFill rotWithShape="1">
+                <a:blip r:embed="rId6"/>
+                <a:stretch>
+                  <a:fillRect b="-16393"/>
+                </a:stretch>
+              </a:blipFill>
+            </p:spPr>
+            <p:txBody>
+              <a:bodyPr/>
+              <a:lstStyle/>
+              <a:p>
+                <a:r>
+                  <a:rPr lang="fr-FR">
+                    <a:noFill/>
+                  </a:rPr>
+                  <a:t> </a:t>
+                </a:r>
+              </a:p>
+            </p:txBody>
+          </p:sp>
+        </mc:Fallback>
+      </mc:AlternateContent>
+      <mc:AlternateContent xmlns:mc="http://schemas.openxmlformats.org/markup-compatibility/2006" xmlns:a14="http://schemas.microsoft.com/office/drawing/2010/main">
+        <mc:Choice Requires="a14">
+          <p:sp>
+            <p:nvSpPr>
+              <p:cNvPr id="32" name="ZoneTexte 31"/>
+              <p:cNvSpPr txBox="1"/>
+              <p:nvPr/>
+            </p:nvSpPr>
+            <p:spPr>
+              <a:xfrm>
+                <a:off x="4457006" y="5620598"/>
+                <a:ext cx="950068" cy="369332"/>
+              </a:xfrm>
+              <a:prstGeom prst="rect">
+                <a:avLst/>
+              </a:prstGeom>
+              <a:noFill/>
+            </p:spPr>
+            <p:txBody>
+              <a:bodyPr wrap="none" rtlCol="0">
+                <a:spAutoFit/>
+              </a:bodyPr>
+              <a:lstStyle/>
+              <a:p>
+                <a:pPr/>
+                <a14:m>
+                  <m:oMathPara xmlns:m="http://schemas.openxmlformats.org/officeDocument/2006/math">
+                    <m:oMathParaPr>
+                      <m:jc m:val="centerGroup"/>
+                    </m:oMathParaPr>
+                    <m:oMath xmlns:m="http://schemas.openxmlformats.org/officeDocument/2006/math">
+                      <m:r>
+                        <a:rPr lang="fr-FR" b="0" i="1" smtClean="0">
+                          <a:latin typeface="Cambria Math"/>
+                        </a:rPr>
+                        <m:t>[</m:t>
+                      </m:r>
+                      <m:r>
+                        <a:rPr lang="fr-FR" b="0" i="1" smtClean="0">
+                          <a:latin typeface="Cambria Math"/>
+                        </a:rPr>
+                        <m:t>𝑛</m:t>
+                      </m:r>
+                      <m:r>
+                        <a:rPr lang="fr-FR" b="0" i="1" smtClean="0">
+                          <a:latin typeface="Cambria Math"/>
+                        </a:rPr>
+                        <m:t>−1]</m:t>
+                      </m:r>
+                    </m:oMath>
+                  </m:oMathPara>
+                </a14:m>
+                <a:endParaRPr lang="fr-FR" dirty="0"/>
+              </a:p>
+            </p:txBody>
+          </p:sp>
+        </mc:Choice>
+        <mc:Fallback xmlns="">
+          <p:sp>
+            <p:nvSpPr>
+              <p:cNvPr id="32" name="ZoneTexte 31"/>
+              <p:cNvSpPr txBox="1">
+                <a:spLocks noRot="1" noChangeAspect="1" noMove="1" noResize="1" noEditPoints="1" noAdjustHandles="1" noChangeArrowheads="1" noChangeShapeType="1" noTextEdit="1"/>
+              </p:cNvSpPr>
+              <p:nvPr/>
+            </p:nvSpPr>
+            <p:spPr>
+              <a:xfrm>
+                <a:off x="4457006" y="5620598"/>
+                <a:ext cx="950068" cy="369332"/>
+              </a:xfrm>
+              <a:prstGeom prst="rect">
+                <a:avLst/>
+              </a:prstGeom>
+              <a:blipFill rotWithShape="1">
+                <a:blip r:embed="rId7"/>
+                <a:stretch>
+                  <a:fillRect b="-16393"/>
+                </a:stretch>
+              </a:blipFill>
+            </p:spPr>
+            <p:txBody>
+              <a:bodyPr/>
+              <a:lstStyle/>
+              <a:p>
+                <a:r>
+                  <a:rPr lang="fr-FR">
+                    <a:noFill/>
+                  </a:rPr>
+                  <a:t> </a:t>
+                </a:r>
+              </a:p>
+            </p:txBody>
+          </p:sp>
+        </mc:Fallback>
+      </mc:AlternateContent>
+      <mc:AlternateContent xmlns:mc="http://schemas.openxmlformats.org/markup-compatibility/2006" xmlns:a14="http://schemas.microsoft.com/office/drawing/2010/main">
+        <mc:Choice Requires="a14">
+          <p:sp>
+            <p:nvSpPr>
+              <p:cNvPr id="33" name="ZoneTexte 32"/>
+              <p:cNvSpPr txBox="1"/>
+              <p:nvPr/>
+            </p:nvSpPr>
+            <p:spPr>
+              <a:xfrm>
+                <a:off x="5394508" y="5620598"/>
+                <a:ext cx="546112" cy="369332"/>
+              </a:xfrm>
+              <a:prstGeom prst="rect">
+                <a:avLst/>
+              </a:prstGeom>
+              <a:noFill/>
+            </p:spPr>
+            <p:txBody>
+              <a:bodyPr wrap="none" rtlCol="0">
+                <a:spAutoFit/>
+              </a:bodyPr>
+              <a:lstStyle/>
+              <a:p>
+                <a:pPr/>
+                <a14:m>
+                  <m:oMathPara xmlns:m="http://schemas.openxmlformats.org/officeDocument/2006/math">
+                    <m:oMathParaPr>
+                      <m:jc m:val="centerGroup"/>
+                    </m:oMathParaPr>
+                    <m:oMath xmlns:m="http://schemas.openxmlformats.org/officeDocument/2006/math">
+                      <m:r>
+                        <a:rPr lang="fr-FR" b="0" i="1" smtClean="0">
+                          <a:latin typeface="Cambria Math"/>
+                        </a:rPr>
+                        <m:t>[</m:t>
+                      </m:r>
+                      <m:r>
+                        <a:rPr lang="fr-FR" b="0" i="1" smtClean="0">
+                          <a:latin typeface="Cambria Math"/>
+                        </a:rPr>
+                        <m:t>𝑛</m:t>
+                      </m:r>
+                      <m:r>
+                        <a:rPr lang="fr-FR" b="0" i="1" smtClean="0">
+                          <a:latin typeface="Cambria Math"/>
+                        </a:rPr>
+                        <m:t>]</m:t>
+                      </m:r>
+                    </m:oMath>
+                  </m:oMathPara>
+                </a14:m>
+                <a:endParaRPr lang="fr-FR" dirty="0"/>
+              </a:p>
+            </p:txBody>
+          </p:sp>
+        </mc:Choice>
+        <mc:Fallback xmlns="">
+          <p:sp>
+            <p:nvSpPr>
+              <p:cNvPr id="33" name="ZoneTexte 32"/>
+              <p:cNvSpPr txBox="1">
+                <a:spLocks noRot="1" noChangeAspect="1" noMove="1" noResize="1" noEditPoints="1" noAdjustHandles="1" noChangeArrowheads="1" noChangeShapeType="1" noTextEdit="1"/>
+              </p:cNvSpPr>
+              <p:nvPr/>
+            </p:nvSpPr>
+            <p:spPr>
+              <a:xfrm>
+                <a:off x="5394508" y="5620598"/>
+                <a:ext cx="546112" cy="369332"/>
+              </a:xfrm>
+              <a:prstGeom prst="rect">
+                <a:avLst/>
+              </a:prstGeom>
+              <a:blipFill rotWithShape="1">
+                <a:blip r:embed="rId8"/>
+                <a:stretch>
+                  <a:fillRect b="-16393"/>
+                </a:stretch>
+              </a:blipFill>
+            </p:spPr>
+            <p:txBody>
+              <a:bodyPr/>
+              <a:lstStyle/>
+              <a:p>
+                <a:r>
+                  <a:rPr lang="fr-FR">
+                    <a:noFill/>
+                  </a:rPr>
+                  <a:t> </a:t>
+                </a:r>
+              </a:p>
+            </p:txBody>
+          </p:sp>
+        </mc:Fallback>
+      </mc:AlternateContent>
+      <p:pic>
+        <p:nvPicPr>
+          <p:cNvPr id="1027" name="Picture 3"/>
+          <p:cNvPicPr>
+            <a:picLocks noChangeAspect="1" noChangeArrowheads="1"/>
+          </p:cNvPicPr>
+          <p:nvPr/>
+        </p:nvPicPr>
+        <p:blipFill>
+          <a:blip r:embed="rId9">
+            <a:extLst>
+              <a:ext uri="{28A0092B-C50C-407E-A947-70E740481C1C}">
+                <a14:useLocalDpi xmlns:a14="http://schemas.microsoft.com/office/drawing/2010/main" val="0"/>
+              </a:ext>
+            </a:extLst>
+          </a:blip>
+          <a:srcRect/>
+          <a:stretch>
+            <a:fillRect/>
+          </a:stretch>
+        </p:blipFill>
+        <p:spPr bwMode="auto">
+          <a:xfrm>
+            <a:off x="3851920" y="1672605"/>
+            <a:ext cx="2663767" cy="2072630"/>
+          </a:xfrm>
+          <a:prstGeom prst="rect">
+            <a:avLst/>
+          </a:prstGeom>
+          <a:noFill/>
+          <a:ln>
+            <a:noFill/>
+          </a:ln>
+          <a:effectLst/>
+          <a:extLst>
+            <a:ext uri="{909E8E84-426E-40DD-AFC4-6F175D3DCCD1}">
+              <a14:hiddenFill xmlns:a14="http://schemas.microsoft.com/office/drawing/2010/main">
+                <a:solidFill>
+                  <a:schemeClr val="accent1"/>
+                </a:solidFill>
+              </a14:hiddenFill>
+            </a:ext>
+            <a:ext uri="{91240B29-F687-4F45-9708-019B960494DF}">
+              <a14:hiddenLine xmlns:a14="http://schemas.microsoft.com/office/drawing/2010/main" w="9525">
+                <a:solidFill>
+                  <a:schemeClr val="tx1"/>
+                </a:solidFill>
+                <a:miter lim="800000"/>
+                <a:headEnd/>
+                <a:tailEnd/>
+              </a14:hiddenLine>
+            </a:ext>
+            <a:ext uri="{AF507438-7753-43E0-B8FC-AC1667EBCBE1}">
+              <a14:hiddenEffects xmlns:a14="http://schemas.microsoft.com/office/drawing/2010/main">
+                <a:effectLst>
+                  <a:outerShdw dist="35921" dir="2700000" algn="ctr" rotWithShape="0">
+                    <a:schemeClr val="bg2"/>
+                  </a:outerShdw>
+                </a:effectLst>
+              </a14:hiddenEffects>
+            </a:ext>
+          </a:extLst>
+        </p:spPr>
+      </p:pic>
+    </p:spTree>
+    <p:extLst>
+      <p:ext uri="{BB962C8B-B14F-4D97-AF65-F5344CB8AC3E}">
+        <p14:creationId xmlns:p14="http://schemas.microsoft.com/office/powerpoint/2010/main" val="323050097"/>
+      </p:ext>
+    </p:extLst>
+  </p:cSld>
+  <p:clrMapOvr>
+    <a:masterClrMapping/>
+  </p:clrMapOvr>
+  <p:timing>
+    <p:tnLst>
+      <p:par>
+        <p:cTn id="1" dur="indefinite" restart="never" nodeType="tmRoot"/>
+      </p:par>
+    </p:tnLst>
+  </p:timing>
+</p:sld>
+</file>
+
+<file path=ppt/slides/slide8.xml><?xml version="1.0" encoding="utf-8"?>
+<p:sld xmlns:a="http://schemas.openxmlformats.org/drawingml/2006/main" xmlns:r="http://schemas.openxmlformats.org/officeDocument/2006/relationships" xmlns:p="http://schemas.openxmlformats.org/presentationml/2006/main">
+  <p:cSld>
+    <p:spTree>
+      <p:nvGrpSpPr>
+        <p:cNvPr id="1" name=""/>
+        <p:cNvGrpSpPr/>
+        <p:nvPr/>
+      </p:nvGrpSpPr>
+      <p:grpSpPr>
+        <a:xfrm>
+          <a:off x="0" y="0"/>
+          <a:ext cx="0" cy="0"/>
+          <a:chOff x="0" y="0"/>
+          <a:chExt cx="0" cy="0"/>
+        </a:xfrm>
+      </p:grpSpPr>
+      <p:sp>
+        <p:nvSpPr>
+          <p:cNvPr id="10" name="Éclair 9"/>
+          <p:cNvSpPr/>
+          <p:nvPr/>
+        </p:nvSpPr>
+        <p:spPr>
+          <a:xfrm rot="3821216" flipV="1">
+            <a:off x="2768439" y="3506548"/>
+            <a:ext cx="827658" cy="924165"/>
+          </a:xfrm>
+          <a:prstGeom prst="lightningBolt">
+            <a:avLst/>
+          </a:prstGeom>
+        </p:spPr>
+        <p:style>
+          <a:lnRef idx="2">
+            <a:schemeClr val="accent1">
+              <a:shade val="50000"/>
+            </a:schemeClr>
+          </a:lnRef>
+          <a:fillRef idx="1">
+            <a:schemeClr val="accent1"/>
+          </a:fillRef>
+          <a:effectRef idx="0">
+            <a:schemeClr val="accent1"/>
+          </a:effectRef>
+          <a:fontRef idx="minor">
+            <a:schemeClr val="lt1"/>
+          </a:fontRef>
+        </p:style>
+        <p:txBody>
+          <a:bodyPr rtlCol="0" anchor="ctr"/>
+          <a:lstStyle/>
+          <a:p>
+            <a:pPr algn="ctr"/>
+            <a:endParaRPr lang="fr-FR"/>
+          </a:p>
+        </p:txBody>
+      </p:sp>
+      <p:sp>
+        <p:nvSpPr>
+          <p:cNvPr id="8" name="ZoneTexte 7"/>
+          <p:cNvSpPr txBox="1"/>
+          <p:nvPr/>
+        </p:nvSpPr>
+        <p:spPr>
+          <a:xfrm>
+            <a:off x="-108520" y="3541308"/>
+            <a:ext cx="2664296" cy="923330"/>
+          </a:xfrm>
+          <a:prstGeom prst="rect">
+            <a:avLst/>
+          </a:prstGeom>
+          <a:noFill/>
+        </p:spPr>
+        <p:txBody>
+          <a:bodyPr wrap="square" rtlCol="0">
+            <a:spAutoFit/>
+          </a:bodyPr>
+          <a:lstStyle/>
+          <a:p>
+            <a:pPr algn="r"/>
+            <a:r>
+              <a:rPr lang="fr-FR" dirty="0" smtClean="0"/>
+              <a:t>Premier arrivé</a:t>
+            </a:r>
+            <a:endParaRPr lang="fr-FR" dirty="0" smtClean="0"/>
+          </a:p>
+          <a:p>
+            <a:pPr algn="r"/>
+            <a:r>
+              <a:rPr lang="fr-FR" dirty="0" smtClean="0"/>
+              <a:t>First In</a:t>
+            </a:r>
+          </a:p>
+          <a:p>
+            <a:pPr algn="r"/>
+            <a:r>
+              <a:rPr lang="fr-FR" dirty="0" err="1" smtClean="0"/>
+              <a:t>Enqueue</a:t>
+            </a:r>
+            <a:endParaRPr lang="fr-FR" dirty="0"/>
+          </a:p>
+        </p:txBody>
+      </p:sp>
+      <p:sp>
+        <p:nvSpPr>
+          <p:cNvPr id="12" name="ZoneTexte 11"/>
+          <p:cNvSpPr txBox="1"/>
+          <p:nvPr/>
+        </p:nvSpPr>
+        <p:spPr>
+          <a:xfrm>
+            <a:off x="7648670" y="4936445"/>
+            <a:ext cx="2664296" cy="923330"/>
+          </a:xfrm>
+          <a:prstGeom prst="rect">
+            <a:avLst/>
+          </a:prstGeom>
+          <a:noFill/>
+        </p:spPr>
+        <p:txBody>
+          <a:bodyPr wrap="square" rtlCol="0">
+            <a:spAutoFit/>
+          </a:bodyPr>
+          <a:lstStyle/>
+          <a:p>
+            <a:r>
+              <a:rPr lang="fr-FR" dirty="0" smtClean="0"/>
+              <a:t>Premier parti</a:t>
+            </a:r>
+          </a:p>
+          <a:p>
+            <a:r>
+              <a:rPr lang="fr-FR" dirty="0" smtClean="0"/>
+              <a:t>First Out</a:t>
+            </a:r>
+          </a:p>
+          <a:p>
+            <a:r>
+              <a:rPr lang="fr-FR" dirty="0" err="1" smtClean="0"/>
+              <a:t>Dequeue</a:t>
+            </a:r>
+            <a:endParaRPr lang="fr-FR" dirty="0"/>
+          </a:p>
+        </p:txBody>
+      </p:sp>
+      <p:sp>
+        <p:nvSpPr>
+          <p:cNvPr id="13" name="Éclair 12"/>
+          <p:cNvSpPr/>
+          <p:nvPr/>
+        </p:nvSpPr>
+        <p:spPr>
+          <a:xfrm rot="1842214" flipV="1">
+            <a:off x="6525376" y="5093761"/>
+            <a:ext cx="908088" cy="728173"/>
+          </a:xfrm>
+          <a:prstGeom prst="lightningBolt">
+            <a:avLst/>
+          </a:prstGeom>
+        </p:spPr>
+        <p:style>
+          <a:lnRef idx="2">
+            <a:schemeClr val="accent1">
+              <a:shade val="50000"/>
+            </a:schemeClr>
+          </a:lnRef>
+          <a:fillRef idx="1">
+            <a:schemeClr val="accent1"/>
+          </a:fillRef>
+          <a:effectRef idx="0">
+            <a:schemeClr val="accent1"/>
+          </a:effectRef>
+          <a:fontRef idx="minor">
+            <a:schemeClr val="lt1"/>
+          </a:fontRef>
+        </p:style>
+        <p:txBody>
+          <a:bodyPr rtlCol="0" anchor="ctr"/>
+          <a:lstStyle/>
+          <a:p>
+            <a:pPr algn="ctr"/>
+            <a:endParaRPr lang="fr-FR"/>
+          </a:p>
+        </p:txBody>
+      </p:sp>
+      <p:cxnSp>
+        <p:nvCxnSpPr>
+          <p:cNvPr id="14" name="Connecteur droit 13"/>
+          <p:cNvCxnSpPr/>
+          <p:nvPr/>
+        </p:nvCxnSpPr>
+        <p:spPr>
+          <a:xfrm>
+            <a:off x="2555776" y="3629656"/>
+            <a:ext cx="0" cy="746481"/>
+          </a:xfrm>
+          <a:prstGeom prst="line">
+            <a:avLst/>
+          </a:prstGeom>
+          <a:ln w="38100"/>
+        </p:spPr>
+        <p:style>
+          <a:lnRef idx="1">
+            <a:schemeClr val="accent1"/>
+          </a:lnRef>
+          <a:fillRef idx="0">
+            <a:schemeClr val="accent1"/>
+          </a:fillRef>
+          <a:effectRef idx="0">
+            <a:schemeClr val="accent1"/>
+          </a:effectRef>
+          <a:fontRef idx="minor">
+            <a:schemeClr val="tx1"/>
+          </a:fontRef>
+        </p:style>
+      </p:cxnSp>
+      <p:cxnSp>
+        <p:nvCxnSpPr>
+          <p:cNvPr id="17" name="Connecteur droit 16"/>
+          <p:cNvCxnSpPr/>
+          <p:nvPr/>
+        </p:nvCxnSpPr>
+        <p:spPr>
+          <a:xfrm>
+            <a:off x="7642781" y="5024870"/>
+            <a:ext cx="0" cy="746481"/>
+          </a:xfrm>
+          <a:prstGeom prst="line">
+            <a:avLst/>
+          </a:prstGeom>
+          <a:ln w="38100"/>
+        </p:spPr>
+        <p:style>
+          <a:lnRef idx="1">
+            <a:schemeClr val="accent1"/>
+          </a:lnRef>
+          <a:fillRef idx="0">
+            <a:schemeClr val="accent1"/>
+          </a:fillRef>
+          <a:effectRef idx="0">
+            <a:schemeClr val="accent1"/>
+          </a:effectRef>
+          <a:fontRef idx="minor">
+            <a:schemeClr val="tx1"/>
+          </a:fontRef>
+        </p:style>
+      </p:cxnSp>
+      <p:pic>
+        <p:nvPicPr>
+          <p:cNvPr id="1027" name="Picture 3"/>
+          <p:cNvPicPr>
+            <a:picLocks noChangeAspect="1" noChangeArrowheads="1"/>
+          </p:cNvPicPr>
+          <p:nvPr/>
+        </p:nvPicPr>
+        <p:blipFill>
+          <a:blip r:embed="rId2">
+            <a:extLst>
+              <a:ext uri="{28A0092B-C50C-407E-A947-70E740481C1C}">
+                <a14:useLocalDpi xmlns:a14="http://schemas.microsoft.com/office/drawing/2010/main" val="0"/>
+              </a:ext>
+            </a:extLst>
+          </a:blip>
+          <a:srcRect/>
+          <a:stretch>
+            <a:fillRect/>
+          </a:stretch>
+        </p:blipFill>
+        <p:spPr bwMode="auto">
+          <a:xfrm>
+            <a:off x="3851920" y="4020666"/>
+            <a:ext cx="2663767" cy="2072630"/>
+          </a:xfrm>
+          <a:prstGeom prst="rect">
+            <a:avLst/>
+          </a:prstGeom>
+          <a:noFill/>
+          <a:ln>
+            <a:noFill/>
+          </a:ln>
+          <a:effectLst/>
+          <a:extLst>
+            <a:ext uri="{909E8E84-426E-40DD-AFC4-6F175D3DCCD1}">
+              <a14:hiddenFill xmlns:a14="http://schemas.microsoft.com/office/drawing/2010/main">
+                <a:solidFill>
+                  <a:schemeClr val="accent1"/>
+                </a:solidFill>
+              </a14:hiddenFill>
+            </a:ext>
+            <a:ext uri="{91240B29-F687-4F45-9708-019B960494DF}">
+              <a14:hiddenLine xmlns:a14="http://schemas.microsoft.com/office/drawing/2010/main" w="9525">
+                <a:solidFill>
+                  <a:schemeClr val="tx1"/>
+                </a:solidFill>
+                <a:miter lim="800000"/>
+                <a:headEnd/>
+                <a:tailEnd/>
+              </a14:hiddenLine>
+            </a:ext>
+            <a:ext uri="{AF507438-7753-43E0-B8FC-AC1667EBCBE1}">
+              <a14:hiddenEffects xmlns:a14="http://schemas.microsoft.com/office/drawing/2010/main">
+                <a:effectLst>
+                  <a:outerShdw dist="35921" dir="2700000" algn="ctr" rotWithShape="0">
+                    <a:schemeClr val="bg2"/>
+                  </a:outerShdw>
+                </a:effectLst>
+              </a14:hiddenEffects>
+            </a:ext>
+          </a:extLst>
+        </p:spPr>
+      </p:pic>
+      <p:sp>
+        <p:nvSpPr>
+          <p:cNvPr id="5" name="Titre 4"/>
+          <p:cNvSpPr>
+            <a:spLocks noGrp="1"/>
+          </p:cNvSpPr>
+          <p:nvPr>
+            <p:ph type="title"/>
+          </p:nvPr>
+        </p:nvSpPr>
+        <p:spPr/>
+        <p:txBody>
+          <a:bodyPr/>
+          <a:lstStyle/>
+          <a:p>
+            <a:endParaRPr lang="fr-FR"/>
+          </a:p>
+        </p:txBody>
+      </p:sp>
+      <p:pic>
+        <p:nvPicPr>
+          <p:cNvPr id="34" name="Picture 2"/>
+          <p:cNvPicPr>
+            <a:picLocks noChangeAspect="1" noChangeArrowheads="1"/>
+          </p:cNvPicPr>
+          <p:nvPr/>
+        </p:nvPicPr>
+        <p:blipFill>
+          <a:blip r:embed="rId3" cstate="print">
+            <a:extLst>
+              <a:ext uri="{28A0092B-C50C-407E-A947-70E740481C1C}">
+                <a14:useLocalDpi xmlns:a14="http://schemas.microsoft.com/office/drawing/2010/main" val="0"/>
+              </a:ext>
+            </a:extLst>
+          </a:blip>
+          <a:srcRect/>
+          <a:stretch>
+            <a:fillRect/>
+          </a:stretch>
+        </p:blipFill>
+        <p:spPr bwMode="auto">
+          <a:xfrm>
+            <a:off x="3603251" y="1771600"/>
+            <a:ext cx="1499230" cy="1585392"/>
+          </a:xfrm>
+          <a:prstGeom prst="rect">
+            <a:avLst/>
+          </a:prstGeom>
+          <a:noFill/>
+          <a:ln>
+            <a:noFill/>
+          </a:ln>
+          <a:effectLst/>
+          <a:extLst>
+            <a:ext uri="{909E8E84-426E-40DD-AFC4-6F175D3DCCD1}">
+              <a14:hiddenFill xmlns:a14="http://schemas.microsoft.com/office/drawing/2010/main">
+                <a:solidFill>
+                  <a:schemeClr val="accent1"/>
+                </a:solidFill>
+              </a14:hiddenFill>
+            </a:ext>
+            <a:ext uri="{91240B29-F687-4F45-9708-019B960494DF}">
+              <a14:hiddenLine xmlns:a14="http://schemas.microsoft.com/office/drawing/2010/main" w="9525">
+                <a:solidFill>
+                  <a:schemeClr val="tx1"/>
+                </a:solidFill>
+                <a:miter lim="800000"/>
+                <a:headEnd/>
+                <a:tailEnd/>
+              </a14:hiddenLine>
+            </a:ext>
+            <a:ext uri="{AF507438-7753-43E0-B8FC-AC1667EBCBE1}">
+              <a14:hiddenEffects xmlns:a14="http://schemas.microsoft.com/office/drawing/2010/main">
+                <a:effectLst>
+                  <a:outerShdw dist="35921" dir="2700000" algn="ctr" rotWithShape="0">
+                    <a:schemeClr val="bg2"/>
+                  </a:outerShdw>
+                </a:effectLst>
+              </a14:hiddenEffects>
+            </a:ext>
+          </a:extLst>
+        </p:spPr>
+      </p:pic>
+      <p:sp>
+        <p:nvSpPr>
+          <p:cNvPr id="35" name="Éclair 34"/>
+          <p:cNvSpPr/>
+          <p:nvPr/>
+        </p:nvSpPr>
+        <p:spPr>
+          <a:xfrm rot="3821216" flipV="1">
+            <a:off x="2768439" y="1373295"/>
+            <a:ext cx="827658" cy="924165"/>
+          </a:xfrm>
+          <a:prstGeom prst="lightningBolt">
+            <a:avLst/>
+          </a:prstGeom>
+        </p:spPr>
+        <p:style>
+          <a:lnRef idx="2">
+            <a:schemeClr val="accent1">
+              <a:shade val="50000"/>
+            </a:schemeClr>
+          </a:lnRef>
+          <a:fillRef idx="1">
+            <a:schemeClr val="accent1"/>
+          </a:fillRef>
+          <a:effectRef idx="0">
+            <a:schemeClr val="accent1"/>
+          </a:effectRef>
+          <a:fontRef idx="minor">
+            <a:schemeClr val="lt1"/>
+          </a:fontRef>
+        </p:style>
+        <p:txBody>
+          <a:bodyPr rtlCol="0" anchor="ctr"/>
+          <a:lstStyle/>
+          <a:p>
+            <a:pPr algn="ctr"/>
+            <a:endParaRPr lang="fr-FR"/>
+          </a:p>
+        </p:txBody>
+      </p:sp>
+      <p:sp>
+        <p:nvSpPr>
+          <p:cNvPr id="36" name="ZoneTexte 35"/>
+          <p:cNvSpPr txBox="1"/>
+          <p:nvPr/>
+        </p:nvSpPr>
+        <p:spPr>
+          <a:xfrm>
+            <a:off x="-108520" y="1408055"/>
+            <a:ext cx="2664296" cy="923330"/>
+          </a:xfrm>
+          <a:prstGeom prst="rect">
+            <a:avLst/>
+          </a:prstGeom>
+          <a:noFill/>
+        </p:spPr>
+        <p:txBody>
+          <a:bodyPr wrap="square" rtlCol="0">
+            <a:spAutoFit/>
+          </a:bodyPr>
+          <a:lstStyle/>
+          <a:p>
+            <a:pPr algn="r"/>
+            <a:r>
+              <a:rPr lang="fr-FR" dirty="0" smtClean="0"/>
+              <a:t>Dernier arrivé</a:t>
+            </a:r>
+          </a:p>
+          <a:p>
+            <a:pPr algn="r"/>
+            <a:r>
+              <a:rPr lang="fr-FR" dirty="0" smtClean="0"/>
+              <a:t>La</a:t>
+            </a:r>
+            <a:r>
+              <a:rPr lang="fr-FR" dirty="0" smtClean="0"/>
+              <a:t>st </a:t>
+            </a:r>
+            <a:r>
+              <a:rPr lang="fr-FR" dirty="0" smtClean="0"/>
+              <a:t>In</a:t>
+            </a:r>
+          </a:p>
+          <a:p>
+            <a:pPr algn="r"/>
+            <a:r>
+              <a:rPr lang="fr-FR" dirty="0" smtClean="0"/>
+              <a:t>Push</a:t>
+            </a:r>
+            <a:endParaRPr lang="fr-FR" dirty="0"/>
+          </a:p>
+        </p:txBody>
+      </p:sp>
+      <p:sp>
+        <p:nvSpPr>
+          <p:cNvPr id="37" name="ZoneTexte 36"/>
+          <p:cNvSpPr txBox="1"/>
+          <p:nvPr/>
+        </p:nvSpPr>
+        <p:spPr>
+          <a:xfrm>
+            <a:off x="6117153" y="1373713"/>
+            <a:ext cx="2664296" cy="923330"/>
+          </a:xfrm>
+          <a:prstGeom prst="rect">
+            <a:avLst/>
+          </a:prstGeom>
+          <a:noFill/>
+        </p:spPr>
+        <p:txBody>
+          <a:bodyPr wrap="square" rtlCol="0">
+            <a:spAutoFit/>
+          </a:bodyPr>
+          <a:lstStyle/>
+          <a:p>
+            <a:r>
+              <a:rPr lang="fr-FR" dirty="0" smtClean="0"/>
+              <a:t>Premier parti</a:t>
+            </a:r>
+          </a:p>
+          <a:p>
+            <a:r>
+              <a:rPr lang="fr-FR" dirty="0" smtClean="0"/>
+              <a:t>First Out</a:t>
+            </a:r>
+          </a:p>
+          <a:p>
+            <a:r>
+              <a:rPr lang="fr-FR" dirty="0" smtClean="0"/>
+              <a:t>Pop</a:t>
+            </a:r>
+            <a:endParaRPr lang="fr-FR" dirty="0"/>
+          </a:p>
+        </p:txBody>
+      </p:sp>
+      <p:sp>
+        <p:nvSpPr>
+          <p:cNvPr id="38" name="Éclair 37"/>
+          <p:cNvSpPr/>
+          <p:nvPr/>
+        </p:nvSpPr>
+        <p:spPr>
+          <a:xfrm rot="1842214" flipV="1">
+            <a:off x="4910278" y="1505634"/>
+            <a:ext cx="908088" cy="728173"/>
+          </a:xfrm>
+          <a:prstGeom prst="lightningBolt">
+            <a:avLst/>
+          </a:prstGeom>
+        </p:spPr>
+        <p:style>
+          <a:lnRef idx="2">
+            <a:schemeClr val="accent1">
+              <a:shade val="50000"/>
+            </a:schemeClr>
+          </a:lnRef>
+          <a:fillRef idx="1">
+            <a:schemeClr val="accent1"/>
+          </a:fillRef>
+          <a:effectRef idx="0">
+            <a:schemeClr val="accent1"/>
+          </a:effectRef>
+          <a:fontRef idx="minor">
+            <a:schemeClr val="lt1"/>
+          </a:fontRef>
+        </p:style>
+        <p:txBody>
+          <a:bodyPr rtlCol="0" anchor="ctr"/>
+          <a:lstStyle/>
+          <a:p>
+            <a:pPr algn="ctr"/>
+            <a:endParaRPr lang="fr-FR"/>
+          </a:p>
+        </p:txBody>
+      </p:sp>
+      <p:cxnSp>
+        <p:nvCxnSpPr>
+          <p:cNvPr id="39" name="Connecteur droit 38"/>
+          <p:cNvCxnSpPr/>
+          <p:nvPr/>
+        </p:nvCxnSpPr>
+        <p:spPr>
+          <a:xfrm>
+            <a:off x="2555776" y="1496403"/>
+            <a:ext cx="0" cy="746481"/>
+          </a:xfrm>
+          <a:prstGeom prst="line">
+            <a:avLst/>
+          </a:prstGeom>
+          <a:ln w="38100"/>
+        </p:spPr>
+        <p:style>
+          <a:lnRef idx="1">
+            <a:schemeClr val="accent1"/>
+          </a:lnRef>
+          <a:fillRef idx="0">
+            <a:schemeClr val="accent1"/>
+          </a:fillRef>
+          <a:effectRef idx="0">
+            <a:schemeClr val="accent1"/>
+          </a:effectRef>
+          <a:fontRef idx="minor">
+            <a:schemeClr val="tx1"/>
+          </a:fontRef>
+        </p:style>
+      </p:cxnSp>
+      <p:cxnSp>
+        <p:nvCxnSpPr>
+          <p:cNvPr id="40" name="Connecteur droit 39"/>
+          <p:cNvCxnSpPr/>
+          <p:nvPr/>
+        </p:nvCxnSpPr>
+        <p:spPr>
+          <a:xfrm>
+            <a:off x="6117153" y="1462138"/>
+            <a:ext cx="0" cy="746481"/>
+          </a:xfrm>
+          <a:prstGeom prst="line">
+            <a:avLst/>
+          </a:prstGeom>
+          <a:ln w="38100"/>
+        </p:spPr>
+        <p:style>
+          <a:lnRef idx="1">
+            <a:schemeClr val="accent1"/>
+          </a:lnRef>
+          <a:fillRef idx="0">
+            <a:schemeClr val="accent1"/>
+          </a:fillRef>
+          <a:effectRef idx="0">
+            <a:schemeClr val="accent1"/>
+          </a:effectRef>
+          <a:fontRef idx="minor">
+            <a:schemeClr val="tx1"/>
+          </a:fontRef>
+        </p:style>
+      </p:cxnSp>
+    </p:spTree>
+    <p:extLst>
+      <p:ext uri="{BB962C8B-B14F-4D97-AF65-F5344CB8AC3E}">
+        <p14:creationId xmlns:p14="http://schemas.microsoft.com/office/powerpoint/2010/main" val="2904643204"/>
       </p:ext>
     </p:extLst>
   </p:cSld>

--- a/P_05_AlgorithmiqueProgrammation/02_Piles/P_05_02_Piles_Cours_PPT.pptx
+++ b/P_05_AlgorithmiqueProgrammation/02_Piles/P_05_02_Piles_Cours_PPT.pptx
@@ -5,17 +5,18 @@
     <p:sldMasterId id="2147483684" r:id="rId1"/>
   </p:sldMasterIdLst>
   <p:notesMasterIdLst>
-    <p:notesMasterId r:id="rId10"/>
+    <p:notesMasterId r:id="rId11"/>
   </p:notesMasterIdLst>
   <p:sldIdLst>
     <p:sldId id="256" r:id="rId2"/>
-    <p:sldId id="257" r:id="rId3"/>
-    <p:sldId id="259" r:id="rId4"/>
-    <p:sldId id="258" r:id="rId5"/>
-    <p:sldId id="260" r:id="rId6"/>
-    <p:sldId id="261" r:id="rId7"/>
-    <p:sldId id="262" r:id="rId8"/>
-    <p:sldId id="263" r:id="rId9"/>
+    <p:sldId id="264" r:id="rId3"/>
+    <p:sldId id="257" r:id="rId4"/>
+    <p:sldId id="259" r:id="rId5"/>
+    <p:sldId id="258" r:id="rId6"/>
+    <p:sldId id="260" r:id="rId7"/>
+    <p:sldId id="261" r:id="rId8"/>
+    <p:sldId id="262" r:id="rId9"/>
+    <p:sldId id="263" r:id="rId10"/>
   </p:sldIdLst>
   <p:sldSz cx="9144000" cy="6858000" type="screen4x3"/>
   <p:notesSz cx="6858000" cy="9144000"/>
@@ -120,6 +121,7 @@
         <p14:section name="Section par défaut" id="{C9B3DD92-045B-4322-9572-161E3425DD55}">
           <p14:sldIdLst>
             <p14:sldId id="256"/>
+            <p14:sldId id="264"/>
             <p14:sldId id="257"/>
             <p14:sldId id="259"/>
             <p14:sldId id="258"/>
@@ -218,7 +220,7 @@
             <a:fld id="{E494A05E-DEA9-4CEA-A63B-3593EEF3AC45}" type="datetimeFigureOut">
               <a:rPr lang="fr-FR" smtClean="0"/>
               <a:pPr/>
-              <a:t>19/10/2015</a:t>
+              <a:t>23/10/2015</a:t>
             </a:fld>
             <a:endParaRPr lang="fr-FR"/>
           </a:p>
@@ -805,7 +807,7 @@
           <a:p>
             <a:fld id="{6031E431-4A92-4D85-8985-5FBEB602B5E8}" type="datetime1">
               <a:rPr lang="fr-FR" smtClean="0"/>
-              <a:t>19/10/2015</a:t>
+              <a:t>23/10/2015</a:t>
             </a:fld>
             <a:endParaRPr lang="fr-FR"/>
           </a:p>
@@ -1176,7 +1178,7 @@
           <a:p>
             <a:fld id="{AF84F6C3-474C-4BB4-A80A-E0D181C7F595}" type="datetime1">
               <a:rPr lang="fr-FR" smtClean="0"/>
-              <a:t>19/10/2015</a:t>
+              <a:t>23/10/2015</a:t>
             </a:fld>
             <a:endParaRPr lang="fr-FR"/>
           </a:p>
@@ -1356,7 +1358,7 @@
           <a:p>
             <a:fld id="{BFB03E56-093B-4BF1-BBC9-7E272D9CF3B7}" type="datetime1">
               <a:rPr lang="fr-FR" smtClean="0"/>
-              <a:t>19/10/2015</a:t>
+              <a:t>23/10/2015</a:t>
             </a:fld>
             <a:endParaRPr lang="fr-FR"/>
           </a:p>
@@ -1607,7 +1609,7 @@
           <a:p>
             <a:fld id="{7C165CEA-2E4C-41E3-970E-1C4A68C71F45}" type="datetime1">
               <a:rPr lang="fr-FR" smtClean="0"/>
-              <a:t>19/10/2015</a:t>
+              <a:t>23/10/2015</a:t>
             </a:fld>
             <a:endParaRPr lang="fr-FR"/>
           </a:p>
@@ -1934,7 +1936,7 @@
           <a:p>
             <a:fld id="{89B97E8C-3DB6-4CA0-86F5-3025B9B3A386}" type="datetime1">
               <a:rPr lang="fr-FR" smtClean="0"/>
-              <a:t>19/10/2015</a:t>
+              <a:t>23/10/2015</a:t>
             </a:fld>
             <a:endParaRPr lang="fr-FR"/>
           </a:p>
@@ -2159,7 +2161,7 @@
           <a:p>
             <a:fld id="{75DD86A5-1A1E-4FBE-B4D2-C2E205DA24EC}" type="datetime1">
               <a:rPr lang="fr-FR" smtClean="0"/>
-              <a:t>19/10/2015</a:t>
+              <a:t>23/10/2015</a:t>
             </a:fld>
             <a:endParaRPr lang="fr-FR"/>
           </a:p>
@@ -2516,7 +2518,7 @@
           <a:p>
             <a:fld id="{0A173EC1-869B-4F8D-825A-5E9474066425}" type="datetime1">
               <a:rPr lang="fr-FR" smtClean="0"/>
-              <a:t>19/10/2015</a:t>
+              <a:t>23/10/2015</a:t>
             </a:fld>
             <a:endParaRPr lang="fr-FR"/>
           </a:p>
@@ -2753,7 +2755,7 @@
           <a:p>
             <a:fld id="{1FE44A3F-C6F8-4E4F-B3F6-A21D8DF94633}" type="datetime1">
               <a:rPr lang="fr-FR" smtClean="0"/>
-              <a:t>19/10/2015</a:t>
+              <a:t>23/10/2015</a:t>
             </a:fld>
             <a:endParaRPr lang="fr-FR"/>
           </a:p>
@@ -2898,7 +2900,7 @@
           <a:p>
             <a:fld id="{5C018397-44E0-42D6-A9AA-1A0F5EA321FF}" type="datetime1">
               <a:rPr lang="fr-FR" smtClean="0"/>
-              <a:t>19/10/2015</a:t>
+              <a:t>23/10/2015</a:t>
             </a:fld>
             <a:endParaRPr lang="fr-FR"/>
           </a:p>
@@ -3180,7 +3182,7 @@
           <a:p>
             <a:fld id="{40AD4D66-DD51-45B2-80EB-77E704EB7D2D}" type="datetime1">
               <a:rPr lang="fr-FR" smtClean="0"/>
-              <a:t>19/10/2015</a:t>
+              <a:t>23/10/2015</a:t>
             </a:fld>
             <a:endParaRPr lang="fr-FR"/>
           </a:p>
@@ -3592,7 +3594,7 @@
           <a:p>
             <a:fld id="{E2E2D226-7C78-4E8B-80C0-78C66590493D}" type="datetime1">
               <a:rPr lang="fr-FR" smtClean="0"/>
-              <a:t>19/10/2015</a:t>
+              <a:t>23/10/2015</a:t>
             </a:fld>
             <a:endParaRPr lang="fr-FR"/>
           </a:p>
@@ -3935,7 +3937,7 @@
           <a:p>
             <a:fld id="{58F1CC0E-46D4-49CE-A709-70030A7D9D56}" type="datetime1">
               <a:rPr lang="fr-FR" smtClean="0"/>
-              <a:t>19/10/2015</a:t>
+              <a:t>23/10/2015</a:t>
             </a:fld>
             <a:endParaRPr lang="fr-FR"/>
           </a:p>
@@ -4915,11 +4917,7 @@
           <a:bodyPr/>
           <a:lstStyle/>
           <a:p>
-            <a:r>
-              <a:rPr lang="fr-FR" dirty="0" smtClean="0"/>
-              <a:t>Présentation</a:t>
-            </a:r>
-            <a:endParaRPr lang="fr-FR" dirty="0"/>
+            <a:endParaRPr lang="fr-FR"/>
           </a:p>
         </p:txBody>
       </p:sp>
@@ -4965,6 +4963,876 @@
               <a:rPr lang="fr-FR" smtClean="0"/>
               <a:pPr/>
               <a:t>2</a:t>
+            </a:fld>
+            <a:endParaRPr lang="fr-FR"/>
+          </a:p>
+        </p:txBody>
+      </p:sp>
+      <p:sp>
+        <p:nvSpPr>
+          <p:cNvPr id="6" name="Rectangle 5"/>
+          <p:cNvSpPr/>
+          <p:nvPr/>
+        </p:nvSpPr>
+        <p:spPr>
+          <a:xfrm>
+            <a:off x="2410993" y="1988840"/>
+            <a:ext cx="720080" cy="720080"/>
+          </a:xfrm>
+          <a:prstGeom prst="rect">
+            <a:avLst/>
+          </a:prstGeom>
+          <a:noFill/>
+          <a:ln>
+            <a:solidFill>
+              <a:schemeClr val="accent2">
+                <a:lumMod val="50000"/>
+              </a:schemeClr>
+            </a:solidFill>
+          </a:ln>
+        </p:spPr>
+        <p:style>
+          <a:lnRef idx="2">
+            <a:schemeClr val="accent1">
+              <a:shade val="50000"/>
+            </a:schemeClr>
+          </a:lnRef>
+          <a:fillRef idx="1">
+            <a:schemeClr val="accent1"/>
+          </a:fillRef>
+          <a:effectRef idx="0">
+            <a:schemeClr val="accent1"/>
+          </a:effectRef>
+          <a:fontRef idx="minor">
+            <a:schemeClr val="lt1"/>
+          </a:fontRef>
+        </p:style>
+        <p:txBody>
+          <a:bodyPr rtlCol="0" anchor="ctr"/>
+          <a:lstStyle/>
+          <a:p>
+            <a:pPr algn="ctr"/>
+            <a:r>
+              <a:rPr lang="fr-FR" sz="1000" dirty="0" smtClean="0">
+                <a:solidFill>
+                  <a:schemeClr val="tx1"/>
+                </a:solidFill>
+              </a:rPr>
+              <a:t>Nom1, type 1, valeur 1, </a:t>
+            </a:r>
+            <a:r>
+              <a:rPr lang="fr-FR" sz="1000" dirty="0" err="1" smtClean="0">
+                <a:solidFill>
+                  <a:schemeClr val="tx1"/>
+                </a:solidFill>
+              </a:rPr>
+              <a:t>ref</a:t>
+            </a:r>
+            <a:r>
+              <a:rPr lang="fr-FR" sz="1000" dirty="0" smtClean="0">
+                <a:solidFill>
+                  <a:schemeClr val="tx1"/>
+                </a:solidFill>
+              </a:rPr>
+              <a:t> 1</a:t>
+            </a:r>
+            <a:endParaRPr lang="fr-FR" sz="1000" dirty="0">
+              <a:solidFill>
+                <a:schemeClr val="tx1"/>
+              </a:solidFill>
+            </a:endParaRPr>
+          </a:p>
+        </p:txBody>
+      </p:sp>
+      <p:sp>
+        <p:nvSpPr>
+          <p:cNvPr id="9" name="Rectangle 8"/>
+          <p:cNvSpPr/>
+          <p:nvPr/>
+        </p:nvSpPr>
+        <p:spPr>
+          <a:xfrm>
+            <a:off x="1690913" y="1988840"/>
+            <a:ext cx="720080" cy="720080"/>
+          </a:xfrm>
+          <a:prstGeom prst="rect">
+            <a:avLst/>
+          </a:prstGeom>
+          <a:noFill/>
+          <a:ln>
+            <a:solidFill>
+              <a:schemeClr val="accent2">
+                <a:lumMod val="50000"/>
+              </a:schemeClr>
+            </a:solidFill>
+            <a:prstDash val="dash"/>
+          </a:ln>
+        </p:spPr>
+        <p:style>
+          <a:lnRef idx="2">
+            <a:schemeClr val="accent1">
+              <a:shade val="50000"/>
+            </a:schemeClr>
+          </a:lnRef>
+          <a:fillRef idx="1">
+            <a:schemeClr val="accent1"/>
+          </a:fillRef>
+          <a:effectRef idx="0">
+            <a:schemeClr val="accent1"/>
+          </a:effectRef>
+          <a:fontRef idx="minor">
+            <a:schemeClr val="lt1"/>
+          </a:fontRef>
+        </p:style>
+        <p:txBody>
+          <a:bodyPr rtlCol="0" anchor="ctr"/>
+          <a:lstStyle/>
+          <a:p>
+            <a:pPr algn="ctr"/>
+            <a:endParaRPr lang="fr-FR"/>
+          </a:p>
+        </p:txBody>
+      </p:sp>
+      <p:sp>
+        <p:nvSpPr>
+          <p:cNvPr id="10" name="Rectangle 9"/>
+          <p:cNvSpPr/>
+          <p:nvPr/>
+        </p:nvSpPr>
+        <p:spPr>
+          <a:xfrm>
+            <a:off x="4571233" y="1988840"/>
+            <a:ext cx="720080" cy="720080"/>
+          </a:xfrm>
+          <a:prstGeom prst="rect">
+            <a:avLst/>
+          </a:prstGeom>
+          <a:noFill/>
+          <a:ln>
+            <a:solidFill>
+              <a:schemeClr val="accent2">
+                <a:lumMod val="50000"/>
+              </a:schemeClr>
+            </a:solidFill>
+            <a:prstDash val="dash"/>
+          </a:ln>
+        </p:spPr>
+        <p:style>
+          <a:lnRef idx="2">
+            <a:schemeClr val="accent1">
+              <a:shade val="50000"/>
+            </a:schemeClr>
+          </a:lnRef>
+          <a:fillRef idx="1">
+            <a:schemeClr val="accent1"/>
+          </a:fillRef>
+          <a:effectRef idx="0">
+            <a:schemeClr val="accent1"/>
+          </a:effectRef>
+          <a:fontRef idx="minor">
+            <a:schemeClr val="lt1"/>
+          </a:fontRef>
+        </p:style>
+        <p:txBody>
+          <a:bodyPr rtlCol="0" anchor="ctr"/>
+          <a:lstStyle/>
+          <a:p>
+            <a:pPr algn="ctr"/>
+            <a:endParaRPr lang="fr-FR"/>
+          </a:p>
+        </p:txBody>
+      </p:sp>
+      <mc:AlternateContent xmlns:mc="http://schemas.openxmlformats.org/markup-compatibility/2006">
+        <mc:Choice xmlns:a14="http://schemas.microsoft.com/office/drawing/2010/main" Requires="a14">
+          <p:sp>
+            <p:nvSpPr>
+              <p:cNvPr id="15" name="ZoneTexte 14"/>
+              <p:cNvSpPr txBox="1"/>
+              <p:nvPr/>
+            </p:nvSpPr>
+            <p:spPr>
+              <a:xfrm>
+                <a:off x="1189147" y="3316342"/>
+                <a:ext cx="537327" cy="369332"/>
+              </a:xfrm>
+              <a:prstGeom prst="rect">
+                <a:avLst/>
+              </a:prstGeom>
+              <a:noFill/>
+            </p:spPr>
+            <p:txBody>
+              <a:bodyPr wrap="none" rtlCol="0">
+                <a:spAutoFit/>
+              </a:bodyPr>
+              <a:lstStyle/>
+              <a:p>
+                <a:pPr/>
+                <a14:m>
+                  <m:oMathPara xmlns:m="http://schemas.openxmlformats.org/officeDocument/2006/math">
+                    <m:oMathParaPr>
+                      <m:jc m:val="centerGroup"/>
+                    </m:oMathParaPr>
+                    <m:oMath xmlns:m="http://schemas.openxmlformats.org/officeDocument/2006/math">
+                      <m:r>
+                        <a:rPr lang="fr-FR" b="0" i="1" smtClean="0">
+                          <a:latin typeface="Cambria Math"/>
+                        </a:rPr>
+                        <m:t>[0]</m:t>
+                      </m:r>
+                    </m:oMath>
+                  </m:oMathPara>
+                </a14:m>
+                <a:endParaRPr lang="fr-FR" dirty="0"/>
+              </a:p>
+            </p:txBody>
+          </p:sp>
+        </mc:Choice>
+        <mc:Fallback>
+          <p:sp>
+            <p:nvSpPr>
+              <p:cNvPr id="15" name="ZoneTexte 14"/>
+              <p:cNvSpPr txBox="1">
+                <a:spLocks noRot="1" noChangeAspect="1" noMove="1" noResize="1" noEditPoints="1" noAdjustHandles="1" noChangeArrowheads="1" noChangeShapeType="1" noTextEdit="1"/>
+              </p:cNvSpPr>
+              <p:nvPr/>
+            </p:nvSpPr>
+            <p:spPr>
+              <a:xfrm>
+                <a:off x="1189147" y="3316342"/>
+                <a:ext cx="537327" cy="369332"/>
+              </a:xfrm>
+              <a:prstGeom prst="rect">
+                <a:avLst/>
+              </a:prstGeom>
+              <a:blipFill rotWithShape="1">
+                <a:blip r:embed="rId2"/>
+                <a:stretch>
+                  <a:fillRect b="-16393"/>
+                </a:stretch>
+              </a:blipFill>
+            </p:spPr>
+            <p:txBody>
+              <a:bodyPr/>
+              <a:lstStyle/>
+              <a:p>
+                <a:r>
+                  <a:rPr lang="fr-FR">
+                    <a:noFill/>
+                  </a:rPr>
+                  <a:t> </a:t>
+                </a:r>
+              </a:p>
+            </p:txBody>
+          </p:sp>
+        </mc:Fallback>
+      </mc:AlternateContent>
+      <mc:AlternateContent xmlns:mc="http://schemas.openxmlformats.org/markup-compatibility/2006">
+        <mc:Choice xmlns:a14="http://schemas.microsoft.com/office/drawing/2010/main" Requires="a14">
+          <p:sp>
+            <p:nvSpPr>
+              <p:cNvPr id="16" name="ZoneTexte 15"/>
+              <p:cNvSpPr txBox="1"/>
+              <p:nvPr/>
+            </p:nvSpPr>
+            <p:spPr>
+              <a:xfrm>
+                <a:off x="1909227" y="3316342"/>
+                <a:ext cx="537327" cy="369332"/>
+              </a:xfrm>
+              <a:prstGeom prst="rect">
+                <a:avLst/>
+              </a:prstGeom>
+              <a:noFill/>
+            </p:spPr>
+            <p:txBody>
+              <a:bodyPr wrap="none" rtlCol="0">
+                <a:spAutoFit/>
+              </a:bodyPr>
+              <a:lstStyle/>
+              <a:p>
+                <a:pPr/>
+                <a14:m>
+                  <m:oMathPara xmlns:m="http://schemas.openxmlformats.org/officeDocument/2006/math">
+                    <m:oMathParaPr>
+                      <m:jc m:val="centerGroup"/>
+                    </m:oMathParaPr>
+                    <m:oMath xmlns:m="http://schemas.openxmlformats.org/officeDocument/2006/math">
+                      <m:r>
+                        <a:rPr lang="fr-FR" b="0" i="1" smtClean="0">
+                          <a:latin typeface="Cambria Math"/>
+                        </a:rPr>
+                        <m:t>[1]</m:t>
+                      </m:r>
+                    </m:oMath>
+                  </m:oMathPara>
+                </a14:m>
+                <a:endParaRPr lang="fr-FR" dirty="0"/>
+              </a:p>
+            </p:txBody>
+          </p:sp>
+        </mc:Choice>
+        <mc:Fallback>
+          <p:sp>
+            <p:nvSpPr>
+              <p:cNvPr id="16" name="ZoneTexte 15"/>
+              <p:cNvSpPr txBox="1">
+                <a:spLocks noRot="1" noChangeAspect="1" noMove="1" noResize="1" noEditPoints="1" noAdjustHandles="1" noChangeArrowheads="1" noChangeShapeType="1" noTextEdit="1"/>
+              </p:cNvSpPr>
+              <p:nvPr/>
+            </p:nvSpPr>
+            <p:spPr>
+              <a:xfrm>
+                <a:off x="1909227" y="3316342"/>
+                <a:ext cx="537327" cy="369332"/>
+              </a:xfrm>
+              <a:prstGeom prst="rect">
+                <a:avLst/>
+              </a:prstGeom>
+              <a:blipFill rotWithShape="1">
+                <a:blip r:embed="rId3"/>
+                <a:stretch>
+                  <a:fillRect b="-16393"/>
+                </a:stretch>
+              </a:blipFill>
+            </p:spPr>
+            <p:txBody>
+              <a:bodyPr/>
+              <a:lstStyle/>
+              <a:p>
+                <a:r>
+                  <a:rPr lang="fr-FR">
+                    <a:noFill/>
+                  </a:rPr>
+                  <a:t> </a:t>
+                </a:r>
+              </a:p>
+            </p:txBody>
+          </p:sp>
+        </mc:Fallback>
+      </mc:AlternateContent>
+      <mc:AlternateContent xmlns:mc="http://schemas.openxmlformats.org/markup-compatibility/2006">
+        <mc:Choice xmlns:a14="http://schemas.microsoft.com/office/drawing/2010/main" Requires="a14">
+          <p:sp>
+            <p:nvSpPr>
+              <p:cNvPr id="17" name="ZoneTexte 16"/>
+              <p:cNvSpPr txBox="1"/>
+              <p:nvPr/>
+            </p:nvSpPr>
+            <p:spPr>
+              <a:xfrm>
+                <a:off x="2629307" y="3316342"/>
+                <a:ext cx="537327" cy="369332"/>
+              </a:xfrm>
+              <a:prstGeom prst="rect">
+                <a:avLst/>
+              </a:prstGeom>
+              <a:noFill/>
+            </p:spPr>
+            <p:txBody>
+              <a:bodyPr wrap="none" rtlCol="0">
+                <a:spAutoFit/>
+              </a:bodyPr>
+              <a:lstStyle/>
+              <a:p>
+                <a:pPr/>
+                <a14:m>
+                  <m:oMathPara xmlns:m="http://schemas.openxmlformats.org/officeDocument/2006/math">
+                    <m:oMathParaPr>
+                      <m:jc m:val="centerGroup"/>
+                    </m:oMathParaPr>
+                    <m:oMath xmlns:m="http://schemas.openxmlformats.org/officeDocument/2006/math">
+                      <m:r>
+                        <a:rPr lang="fr-FR" b="0" i="1" smtClean="0">
+                          <a:latin typeface="Cambria Math"/>
+                        </a:rPr>
+                        <m:t>[2]</m:t>
+                      </m:r>
+                    </m:oMath>
+                  </m:oMathPara>
+                </a14:m>
+                <a:endParaRPr lang="fr-FR" dirty="0"/>
+              </a:p>
+            </p:txBody>
+          </p:sp>
+        </mc:Choice>
+        <mc:Fallback>
+          <p:sp>
+            <p:nvSpPr>
+              <p:cNvPr id="17" name="ZoneTexte 16"/>
+              <p:cNvSpPr txBox="1">
+                <a:spLocks noRot="1" noChangeAspect="1" noMove="1" noResize="1" noEditPoints="1" noAdjustHandles="1" noChangeArrowheads="1" noChangeShapeType="1" noTextEdit="1"/>
+              </p:cNvSpPr>
+              <p:nvPr/>
+            </p:nvSpPr>
+            <p:spPr>
+              <a:xfrm>
+                <a:off x="2629307" y="3316342"/>
+                <a:ext cx="537327" cy="369332"/>
+              </a:xfrm>
+              <a:prstGeom prst="rect">
+                <a:avLst/>
+              </a:prstGeom>
+              <a:blipFill rotWithShape="1">
+                <a:blip r:embed="rId4"/>
+                <a:stretch>
+                  <a:fillRect b="-16393"/>
+                </a:stretch>
+              </a:blipFill>
+            </p:spPr>
+            <p:txBody>
+              <a:bodyPr/>
+              <a:lstStyle/>
+              <a:p>
+                <a:r>
+                  <a:rPr lang="fr-FR">
+                    <a:noFill/>
+                  </a:rPr>
+                  <a:t> </a:t>
+                </a:r>
+              </a:p>
+            </p:txBody>
+          </p:sp>
+        </mc:Fallback>
+      </mc:AlternateContent>
+      <mc:AlternateContent xmlns:mc="http://schemas.openxmlformats.org/markup-compatibility/2006">
+        <mc:Choice xmlns:a14="http://schemas.microsoft.com/office/drawing/2010/main" Requires="a14">
+          <p:sp>
+            <p:nvSpPr>
+              <p:cNvPr id="18" name="ZoneTexte 17"/>
+              <p:cNvSpPr txBox="1"/>
+              <p:nvPr/>
+            </p:nvSpPr>
+            <p:spPr>
+              <a:xfrm>
+                <a:off x="4583177" y="3316342"/>
+                <a:ext cx="950068" cy="369332"/>
+              </a:xfrm>
+              <a:prstGeom prst="rect">
+                <a:avLst/>
+              </a:prstGeom>
+              <a:noFill/>
+            </p:spPr>
+            <p:txBody>
+              <a:bodyPr wrap="none" rtlCol="0">
+                <a:spAutoFit/>
+              </a:bodyPr>
+              <a:lstStyle/>
+              <a:p>
+                <a:pPr/>
+                <a14:m>
+                  <m:oMathPara xmlns:m="http://schemas.openxmlformats.org/officeDocument/2006/math">
+                    <m:oMathParaPr>
+                      <m:jc m:val="centerGroup"/>
+                    </m:oMathParaPr>
+                    <m:oMath xmlns:m="http://schemas.openxmlformats.org/officeDocument/2006/math">
+                      <m:r>
+                        <a:rPr lang="fr-FR" b="0" i="1" smtClean="0">
+                          <a:latin typeface="Cambria Math"/>
+                        </a:rPr>
+                        <m:t>[</m:t>
+                      </m:r>
+                      <m:r>
+                        <a:rPr lang="fr-FR" b="0" i="1" smtClean="0">
+                          <a:latin typeface="Cambria Math"/>
+                        </a:rPr>
+                        <m:t>𝑛</m:t>
+                      </m:r>
+                      <m:r>
+                        <a:rPr lang="fr-FR" b="0" i="1" smtClean="0">
+                          <a:latin typeface="Cambria Math"/>
+                        </a:rPr>
+                        <m:t>−1]</m:t>
+                      </m:r>
+                    </m:oMath>
+                  </m:oMathPara>
+                </a14:m>
+                <a:endParaRPr lang="fr-FR" dirty="0"/>
+              </a:p>
+            </p:txBody>
+          </p:sp>
+        </mc:Choice>
+        <mc:Fallback>
+          <p:sp>
+            <p:nvSpPr>
+              <p:cNvPr id="18" name="ZoneTexte 17"/>
+              <p:cNvSpPr txBox="1">
+                <a:spLocks noRot="1" noChangeAspect="1" noMove="1" noResize="1" noEditPoints="1" noAdjustHandles="1" noChangeArrowheads="1" noChangeShapeType="1" noTextEdit="1"/>
+              </p:cNvSpPr>
+              <p:nvPr/>
+            </p:nvSpPr>
+            <p:spPr>
+              <a:xfrm>
+                <a:off x="4583177" y="3316342"/>
+                <a:ext cx="950068" cy="369332"/>
+              </a:xfrm>
+              <a:prstGeom prst="rect">
+                <a:avLst/>
+              </a:prstGeom>
+              <a:blipFill rotWithShape="1">
+                <a:blip r:embed="rId5"/>
+                <a:stretch>
+                  <a:fillRect b="-16393"/>
+                </a:stretch>
+              </a:blipFill>
+            </p:spPr>
+            <p:txBody>
+              <a:bodyPr/>
+              <a:lstStyle/>
+              <a:p>
+                <a:r>
+                  <a:rPr lang="fr-FR">
+                    <a:noFill/>
+                  </a:rPr>
+                  <a:t> </a:t>
+                </a:r>
+              </a:p>
+            </p:txBody>
+          </p:sp>
+        </mc:Fallback>
+      </mc:AlternateContent>
+      <mc:AlternateContent xmlns:mc="http://schemas.openxmlformats.org/markup-compatibility/2006">
+        <mc:Choice xmlns:a14="http://schemas.microsoft.com/office/drawing/2010/main" Requires="a14">
+          <p:sp>
+            <p:nvSpPr>
+              <p:cNvPr id="19" name="ZoneTexte 18"/>
+              <p:cNvSpPr txBox="1"/>
+              <p:nvPr/>
+            </p:nvSpPr>
+            <p:spPr>
+              <a:xfrm>
+                <a:off x="5520679" y="3316342"/>
+                <a:ext cx="546112" cy="369332"/>
+              </a:xfrm>
+              <a:prstGeom prst="rect">
+                <a:avLst/>
+              </a:prstGeom>
+              <a:noFill/>
+            </p:spPr>
+            <p:txBody>
+              <a:bodyPr wrap="none" rtlCol="0">
+                <a:spAutoFit/>
+              </a:bodyPr>
+              <a:lstStyle/>
+              <a:p>
+                <a:pPr/>
+                <a14:m>
+                  <m:oMathPara xmlns:m="http://schemas.openxmlformats.org/officeDocument/2006/math">
+                    <m:oMathParaPr>
+                      <m:jc m:val="centerGroup"/>
+                    </m:oMathParaPr>
+                    <m:oMath xmlns:m="http://schemas.openxmlformats.org/officeDocument/2006/math">
+                      <m:r>
+                        <a:rPr lang="fr-FR" b="0" i="1" smtClean="0">
+                          <a:latin typeface="Cambria Math"/>
+                        </a:rPr>
+                        <m:t>[</m:t>
+                      </m:r>
+                      <m:r>
+                        <a:rPr lang="fr-FR" b="0" i="1" smtClean="0">
+                          <a:latin typeface="Cambria Math"/>
+                        </a:rPr>
+                        <m:t>𝑛</m:t>
+                      </m:r>
+                      <m:r>
+                        <a:rPr lang="fr-FR" b="0" i="1" smtClean="0">
+                          <a:latin typeface="Cambria Math"/>
+                        </a:rPr>
+                        <m:t>]</m:t>
+                      </m:r>
+                    </m:oMath>
+                  </m:oMathPara>
+                </a14:m>
+                <a:endParaRPr lang="fr-FR" dirty="0"/>
+              </a:p>
+            </p:txBody>
+          </p:sp>
+        </mc:Choice>
+        <mc:Fallback>
+          <p:sp>
+            <p:nvSpPr>
+              <p:cNvPr id="19" name="ZoneTexte 18"/>
+              <p:cNvSpPr txBox="1">
+                <a:spLocks noRot="1" noChangeAspect="1" noMove="1" noResize="1" noEditPoints="1" noAdjustHandles="1" noChangeArrowheads="1" noChangeShapeType="1" noTextEdit="1"/>
+              </p:cNvSpPr>
+              <p:nvPr/>
+            </p:nvSpPr>
+            <p:spPr>
+              <a:xfrm>
+                <a:off x="5520679" y="3316342"/>
+                <a:ext cx="546112" cy="369332"/>
+              </a:xfrm>
+              <a:prstGeom prst="rect">
+                <a:avLst/>
+              </a:prstGeom>
+              <a:blipFill rotWithShape="1">
+                <a:blip r:embed="rId6"/>
+                <a:stretch>
+                  <a:fillRect b="-16393"/>
+                </a:stretch>
+              </a:blipFill>
+            </p:spPr>
+            <p:txBody>
+              <a:bodyPr/>
+              <a:lstStyle/>
+              <a:p>
+                <a:r>
+                  <a:rPr lang="fr-FR">
+                    <a:noFill/>
+                  </a:rPr>
+                  <a:t> </a:t>
+                </a:r>
+              </a:p>
+            </p:txBody>
+          </p:sp>
+        </mc:Fallback>
+      </mc:AlternateContent>
+      <p:sp>
+        <p:nvSpPr>
+          <p:cNvPr id="20" name="Rectangle 19"/>
+          <p:cNvSpPr/>
+          <p:nvPr/>
+        </p:nvSpPr>
+        <p:spPr>
+          <a:xfrm>
+            <a:off x="3133380" y="1988840"/>
+            <a:ext cx="720080" cy="720080"/>
+          </a:xfrm>
+          <a:prstGeom prst="rect">
+            <a:avLst/>
+          </a:prstGeom>
+          <a:noFill/>
+          <a:ln>
+            <a:solidFill>
+              <a:schemeClr val="accent2">
+                <a:lumMod val="50000"/>
+              </a:schemeClr>
+            </a:solidFill>
+          </a:ln>
+        </p:spPr>
+        <p:style>
+          <a:lnRef idx="2">
+            <a:schemeClr val="accent1">
+              <a:shade val="50000"/>
+            </a:schemeClr>
+          </a:lnRef>
+          <a:fillRef idx="1">
+            <a:schemeClr val="accent1"/>
+          </a:fillRef>
+          <a:effectRef idx="0">
+            <a:schemeClr val="accent1"/>
+          </a:effectRef>
+          <a:fontRef idx="minor">
+            <a:schemeClr val="lt1"/>
+          </a:fontRef>
+        </p:style>
+        <p:txBody>
+          <a:bodyPr rtlCol="0" anchor="ctr"/>
+          <a:lstStyle/>
+          <a:p>
+            <a:pPr algn="ctr"/>
+            <a:r>
+              <a:rPr lang="fr-FR" sz="1000" dirty="0" smtClean="0">
+                <a:solidFill>
+                  <a:schemeClr val="tx1"/>
+                </a:solidFill>
+              </a:rPr>
+              <a:t>Nom 2, type 2, valeur 2, </a:t>
+            </a:r>
+            <a:r>
+              <a:rPr lang="fr-FR" sz="1000" dirty="0" err="1" smtClean="0">
+                <a:solidFill>
+                  <a:schemeClr val="tx1"/>
+                </a:solidFill>
+              </a:rPr>
+              <a:t>ref</a:t>
+            </a:r>
+            <a:r>
+              <a:rPr lang="fr-FR" sz="1000" dirty="0" smtClean="0">
+                <a:solidFill>
+                  <a:schemeClr val="tx1"/>
+                </a:solidFill>
+              </a:rPr>
+              <a:t> 2</a:t>
+            </a:r>
+            <a:endParaRPr lang="fr-FR" sz="1000" dirty="0">
+              <a:solidFill>
+                <a:schemeClr val="tx1"/>
+              </a:solidFill>
+            </a:endParaRPr>
+          </a:p>
+        </p:txBody>
+      </p:sp>
+      <p:sp>
+        <p:nvSpPr>
+          <p:cNvPr id="21" name="Rectangle 20"/>
+          <p:cNvSpPr/>
+          <p:nvPr/>
+        </p:nvSpPr>
+        <p:spPr>
+          <a:xfrm>
+            <a:off x="3853460" y="1988840"/>
+            <a:ext cx="720080" cy="720080"/>
+          </a:xfrm>
+          <a:prstGeom prst="rect">
+            <a:avLst/>
+          </a:prstGeom>
+          <a:noFill/>
+          <a:ln>
+            <a:solidFill>
+              <a:schemeClr val="accent2">
+                <a:lumMod val="50000"/>
+              </a:schemeClr>
+            </a:solidFill>
+          </a:ln>
+        </p:spPr>
+        <p:style>
+          <a:lnRef idx="2">
+            <a:schemeClr val="accent1">
+              <a:shade val="50000"/>
+            </a:schemeClr>
+          </a:lnRef>
+          <a:fillRef idx="1">
+            <a:schemeClr val="accent1"/>
+          </a:fillRef>
+          <a:effectRef idx="0">
+            <a:schemeClr val="accent1"/>
+          </a:effectRef>
+          <a:fontRef idx="minor">
+            <a:schemeClr val="lt1"/>
+          </a:fontRef>
+        </p:style>
+        <p:txBody>
+          <a:bodyPr rtlCol="0" anchor="ctr"/>
+          <a:lstStyle/>
+          <a:p>
+            <a:pPr algn="ctr"/>
+            <a:r>
+              <a:rPr lang="fr-FR" sz="1000" dirty="0" smtClean="0">
+                <a:solidFill>
+                  <a:schemeClr val="tx1"/>
+                </a:solidFill>
+              </a:rPr>
+              <a:t>Nom 3, type 3, valeur 3, </a:t>
+            </a:r>
+            <a:r>
+              <a:rPr lang="fr-FR" sz="1000" dirty="0" err="1" smtClean="0">
+                <a:solidFill>
+                  <a:schemeClr val="tx1"/>
+                </a:solidFill>
+              </a:rPr>
+              <a:t>ref</a:t>
+            </a:r>
+            <a:r>
+              <a:rPr lang="fr-FR" sz="1000" dirty="0" smtClean="0">
+                <a:solidFill>
+                  <a:schemeClr val="tx1"/>
+                </a:solidFill>
+              </a:rPr>
+              <a:t> 3</a:t>
+            </a:r>
+            <a:endParaRPr lang="fr-FR" sz="1000" dirty="0">
+              <a:solidFill>
+                <a:schemeClr val="tx1"/>
+              </a:solidFill>
+            </a:endParaRPr>
+          </a:p>
+        </p:txBody>
+      </p:sp>
+    </p:spTree>
+    <p:extLst>
+      <p:ext uri="{BB962C8B-B14F-4D97-AF65-F5344CB8AC3E}">
+        <p14:creationId xmlns:p14="http://schemas.microsoft.com/office/powerpoint/2010/main" val="2334225733"/>
+      </p:ext>
+    </p:extLst>
+  </p:cSld>
+  <p:clrMapOvr>
+    <a:masterClrMapping/>
+  </p:clrMapOvr>
+</p:sld>
+</file>
+
+<file path=ppt/slides/slide3.xml><?xml version="1.0" encoding="utf-8"?>
+<p:sld xmlns:a="http://schemas.openxmlformats.org/drawingml/2006/main" xmlns:r="http://schemas.openxmlformats.org/officeDocument/2006/relationships" xmlns:p="http://schemas.openxmlformats.org/presentationml/2006/main">
+  <p:cSld>
+    <p:spTree>
+      <p:nvGrpSpPr>
+        <p:cNvPr id="1" name=""/>
+        <p:cNvGrpSpPr/>
+        <p:nvPr/>
+      </p:nvGrpSpPr>
+      <p:grpSpPr>
+        <a:xfrm>
+          <a:off x="0" y="0"/>
+          <a:ext cx="0" cy="0"/>
+          <a:chOff x="0" y="0"/>
+          <a:chExt cx="0" cy="0"/>
+        </a:xfrm>
+      </p:grpSpPr>
+      <p:sp>
+        <p:nvSpPr>
+          <p:cNvPr id="2" name="Titre 1"/>
+          <p:cNvSpPr>
+            <a:spLocks noGrp="1"/>
+          </p:cNvSpPr>
+          <p:nvPr>
+            <p:ph type="title"/>
+          </p:nvPr>
+        </p:nvSpPr>
+        <p:spPr/>
+        <p:txBody>
+          <a:bodyPr/>
+          <a:lstStyle/>
+          <a:p>
+            <a:r>
+              <a:rPr lang="fr-FR" dirty="0" smtClean="0"/>
+              <a:t>Présentation</a:t>
+            </a:r>
+            <a:endParaRPr lang="fr-FR" dirty="0"/>
+          </a:p>
+        </p:txBody>
+      </p:sp>
+      <p:sp>
+        <p:nvSpPr>
+          <p:cNvPr id="3" name="Espace réservé du pied de page 2"/>
+          <p:cNvSpPr>
+            <a:spLocks noGrp="1"/>
+          </p:cNvSpPr>
+          <p:nvPr>
+            <p:ph type="ftr" sz="quarter" idx="11"/>
+          </p:nvPr>
+        </p:nvSpPr>
+        <p:spPr/>
+        <p:txBody>
+          <a:bodyPr/>
+          <a:lstStyle/>
+          <a:p>
+            <a:r>
+              <a:rPr lang="fr-FR" smtClean="0"/>
+              <a:t>Piles et Files - Xavier PESSOLES</a:t>
+            </a:r>
+            <a:endParaRPr lang="fr-FR" dirty="0"/>
+          </a:p>
+        </p:txBody>
+      </p:sp>
+      <p:sp>
+        <p:nvSpPr>
+          <p:cNvPr id="4" name="Espace réservé du numéro de diapositive 3"/>
+          <p:cNvSpPr>
+            <a:spLocks noGrp="1"/>
+          </p:cNvSpPr>
+          <p:nvPr>
+            <p:ph type="sldNum" sz="quarter" idx="12"/>
+          </p:nvPr>
+        </p:nvSpPr>
+        <p:spPr/>
+        <p:txBody>
+          <a:bodyPr/>
+          <a:lstStyle/>
+          <a:p>
+            <a:fld id="{3F1D8263-54E8-442D-88B4-DA252C595E3D}" type="slidenum">
+              <a:rPr lang="fr-FR" smtClean="0"/>
+              <a:pPr/>
+              <a:t>3</a:t>
             </a:fld>
             <a:endParaRPr lang="fr-FR"/>
           </a:p>
@@ -5154,7 +6022,6 @@
               <a:rPr lang="fr-FR" dirty="0" smtClean="0"/>
               <a:t>Last In</a:t>
             </a:r>
-            <a:endParaRPr lang="fr-FR" dirty="0" smtClean="0"/>
           </a:p>
           <a:p>
             <a:pPr algn="r"/>
@@ -6405,7 +7272,7 @@
 </p:sld>
 </file>
 
-<file path=ppt/slides/slide3.xml><?xml version="1.0" encoding="utf-8"?>
+<file path=ppt/slides/slide4.xml><?xml version="1.0" encoding="utf-8"?>
 <p:sld xmlns:a="http://schemas.openxmlformats.org/drawingml/2006/main" xmlns:r="http://schemas.openxmlformats.org/officeDocument/2006/relationships" xmlns:p="http://schemas.openxmlformats.org/presentationml/2006/main">
   <p:cSld>
     <p:spTree>
@@ -6486,7 +7353,7 @@
             <a:fld id="{3F1D8263-54E8-442D-88B4-DA252C595E3D}" type="slidenum">
               <a:rPr lang="fr-FR" smtClean="0"/>
               <a:pPr/>
-              <a:t>3</a:t>
+              <a:t>4</a:t>
             </a:fld>
             <a:endParaRPr lang="fr-FR"/>
           </a:p>
@@ -6665,7 +7532,6 @@
               <a:rPr lang="fr-FR" dirty="0" smtClean="0"/>
               <a:t>Last In</a:t>
             </a:r>
-            <a:endParaRPr lang="fr-FR" dirty="0" smtClean="0"/>
           </a:p>
           <a:p>
             <a:pPr algn="r"/>
@@ -7970,7 +8836,7 @@
 </p:sld>
 </file>
 
-<file path=ppt/slides/slide4.xml><?xml version="1.0" encoding="utf-8"?>
+<file path=ppt/slides/slide5.xml><?xml version="1.0" encoding="utf-8"?>
 <p:sld xmlns:a="http://schemas.openxmlformats.org/drawingml/2006/main" xmlns:r="http://schemas.openxmlformats.org/officeDocument/2006/relationships" xmlns:p="http://schemas.openxmlformats.org/presentationml/2006/main">
   <p:cSld>
     <p:spTree>
@@ -8051,7 +8917,7 @@
             <a:fld id="{3F1D8263-54E8-442D-88B4-DA252C595E3D}" type="slidenum">
               <a:rPr lang="fr-FR" smtClean="0"/>
               <a:pPr/>
-              <a:t>4</a:t>
+              <a:t>5</a:t>
             </a:fld>
             <a:endParaRPr lang="fr-FR"/>
           </a:p>
@@ -8230,7 +9096,6 @@
               <a:rPr lang="fr-FR" dirty="0" smtClean="0"/>
               <a:t>Last In</a:t>
             </a:r>
-            <a:endParaRPr lang="fr-FR" dirty="0" smtClean="0"/>
           </a:p>
           <a:p>
             <a:pPr algn="r"/>
@@ -9481,7 +10346,7 @@
 </p:sld>
 </file>
 
-<file path=ppt/slides/slide5.xml><?xml version="1.0" encoding="utf-8"?>
+<file path=ppt/slides/slide6.xml><?xml version="1.0" encoding="utf-8"?>
 <p:sld xmlns:a="http://schemas.openxmlformats.org/drawingml/2006/main" xmlns:r="http://schemas.openxmlformats.org/officeDocument/2006/relationships" xmlns:p="http://schemas.openxmlformats.org/presentationml/2006/main">
   <p:cSld>
     <p:spTree>
@@ -9562,7 +10427,7 @@
             <a:fld id="{3F1D8263-54E8-442D-88B4-DA252C595E3D}" type="slidenum">
               <a:rPr lang="fr-FR" smtClean="0"/>
               <a:pPr/>
-              <a:t>5</a:t>
+              <a:t>6</a:t>
             </a:fld>
             <a:endParaRPr lang="fr-FR"/>
           </a:p>
@@ -9739,15 +10604,7 @@
             <a:pPr algn="r"/>
             <a:r>
               <a:rPr lang="fr-FR" dirty="0" smtClean="0"/>
-              <a:t>Las</a:t>
-            </a:r>
-            <a:r>
-              <a:rPr lang="fr-FR" dirty="0" smtClean="0"/>
-              <a:t>t </a:t>
-            </a:r>
-            <a:r>
-              <a:rPr lang="fr-FR" dirty="0" smtClean="0"/>
-              <a:t>In</a:t>
+              <a:t>Last In</a:t>
             </a:r>
           </a:p>
           <a:p>
@@ -11043,7 +11900,7 @@
 </p:sld>
 </file>
 
-<file path=ppt/slides/slide6.xml><?xml version="1.0" encoding="utf-8"?>
+<file path=ppt/slides/slide7.xml><?xml version="1.0" encoding="utf-8"?>
 <p:sld xmlns:a="http://schemas.openxmlformats.org/drawingml/2006/main" xmlns:r="http://schemas.openxmlformats.org/officeDocument/2006/relationships" xmlns:p="http://schemas.openxmlformats.org/presentationml/2006/main">
   <p:cSld>
     <p:spTree>
@@ -11124,7 +11981,7 @@
             <a:fld id="{3F1D8263-54E8-442D-88B4-DA252C595E3D}" type="slidenum">
               <a:rPr lang="fr-FR" smtClean="0"/>
               <a:pPr/>
-              <a:t>6</a:t>
+              <a:t>7</a:t>
             </a:fld>
             <a:endParaRPr lang="fr-FR"/>
           </a:p>
@@ -11301,15 +12158,7 @@
             <a:pPr algn="r"/>
             <a:r>
               <a:rPr lang="fr-FR" dirty="0" smtClean="0"/>
-              <a:t>La</a:t>
-            </a:r>
-            <a:r>
-              <a:rPr lang="fr-FR" dirty="0" smtClean="0"/>
-              <a:t>st </a:t>
-            </a:r>
-            <a:r>
-              <a:rPr lang="fr-FR" dirty="0" smtClean="0"/>
-              <a:t>In</a:t>
+              <a:t>Last In</a:t>
             </a:r>
           </a:p>
           <a:p>
@@ -12561,7 +13410,7 @@
 </p:sld>
 </file>
 
-<file path=ppt/slides/slide7.xml><?xml version="1.0" encoding="utf-8"?>
+<file path=ppt/slides/slide8.xml><?xml version="1.0" encoding="utf-8"?>
 <p:sld xmlns:a="http://schemas.openxmlformats.org/drawingml/2006/main" xmlns:r="http://schemas.openxmlformats.org/officeDocument/2006/relationships" xmlns:p="http://schemas.openxmlformats.org/presentationml/2006/main">
   <p:cSld>
     <p:spTree>
@@ -12642,7 +13491,7 @@
             <a:fld id="{3F1D8263-54E8-442D-88B4-DA252C595E3D}" type="slidenum">
               <a:rPr lang="fr-FR" smtClean="0"/>
               <a:pPr/>
-              <a:t>7</a:t>
+              <a:t>8</a:t>
             </a:fld>
             <a:endParaRPr lang="fr-FR"/>
           </a:p>
@@ -12750,7 +13599,6 @@
               <a:rPr lang="fr-FR" dirty="0" smtClean="0"/>
               <a:t>Premier arrivé</a:t>
             </a:r>
-            <a:endParaRPr lang="fr-FR" dirty="0" smtClean="0"/>
           </a:p>
           <a:p>
             <a:pPr algn="r"/>
@@ -14072,7 +14920,7 @@
 </p:sld>
 </file>
 
-<file path=ppt/slides/slide8.xml><?xml version="1.0" encoding="utf-8"?>
+<file path=ppt/slides/slide9.xml><?xml version="1.0" encoding="utf-8"?>
 <p:sld xmlns:a="http://schemas.openxmlformats.org/drawingml/2006/main" xmlns:r="http://schemas.openxmlformats.org/officeDocument/2006/relationships" xmlns:p="http://schemas.openxmlformats.org/presentationml/2006/main">
   <p:cSld>
     <p:spTree>
@@ -14156,7 +15004,6 @@
               <a:rPr lang="fr-FR" dirty="0" smtClean="0"/>
               <a:t>Premier arrivé</a:t>
             </a:r>
-            <a:endParaRPr lang="fr-FR" dirty="0" smtClean="0"/>
           </a:p>
           <a:p>
             <a:pPr algn="r"/>
@@ -14538,15 +15385,7 @@
             <a:pPr algn="r"/>
             <a:r>
               <a:rPr lang="fr-FR" dirty="0" smtClean="0"/>
-              <a:t>La</a:t>
-            </a:r>
-            <a:r>
-              <a:rPr lang="fr-FR" dirty="0" smtClean="0"/>
-              <a:t>st </a:t>
-            </a:r>
-            <a:r>
-              <a:rPr lang="fr-FR" dirty="0" smtClean="0"/>
-              <a:t>In</a:t>
+              <a:t>Last In</a:t>
             </a:r>
           </a:p>
           <a:p>
